--- a/document/설계서.pptx
+++ b/document/설계서.pptx
@@ -5,7 +5,7 @@
     <p:sldMasterId id="2147483648" r:id="rId1"/>
   </p:sldMasterIdLst>
   <p:notesMasterIdLst>
-    <p:notesMasterId r:id="rId28"/>
+    <p:notesMasterId r:id="rId27"/>
   </p:notesMasterIdLst>
   <p:sldIdLst>
     <p:sldId id="256" r:id="rId2"/>
@@ -20,54 +20,53 @@
     <p:sldId id="295" r:id="rId11"/>
     <p:sldId id="324" r:id="rId12"/>
     <p:sldId id="330" r:id="rId13"/>
-    <p:sldId id="332" r:id="rId14"/>
-    <p:sldId id="331" r:id="rId15"/>
-    <p:sldId id="329" r:id="rId16"/>
-    <p:sldId id="338" r:id="rId17"/>
-    <p:sldId id="340" r:id="rId18"/>
-    <p:sldId id="335" r:id="rId19"/>
-    <p:sldId id="336" r:id="rId20"/>
-    <p:sldId id="278" r:id="rId21"/>
-    <p:sldId id="301" r:id="rId22"/>
-    <p:sldId id="323" r:id="rId23"/>
-    <p:sldId id="285" r:id="rId24"/>
-    <p:sldId id="289" r:id="rId25"/>
-    <p:sldId id="286" r:id="rId26"/>
-    <p:sldId id="292" r:id="rId27"/>
+    <p:sldId id="331" r:id="rId14"/>
+    <p:sldId id="329" r:id="rId15"/>
+    <p:sldId id="338" r:id="rId16"/>
+    <p:sldId id="340" r:id="rId17"/>
+    <p:sldId id="335" r:id="rId18"/>
+    <p:sldId id="336" r:id="rId19"/>
+    <p:sldId id="278" r:id="rId20"/>
+    <p:sldId id="301" r:id="rId21"/>
+    <p:sldId id="323" r:id="rId22"/>
+    <p:sldId id="285" r:id="rId23"/>
+    <p:sldId id="289" r:id="rId24"/>
+    <p:sldId id="286" r:id="rId25"/>
+    <p:sldId id="292" r:id="rId26"/>
   </p:sldIdLst>
   <p:sldSz cx="12192000" cy="6858000"/>
   <p:notesSz cx="6858000" cy="9144000"/>
   <p:embeddedFontLst>
     <p:embeddedFont>
       <p:font typeface="나눔고딕" panose="020D0604000000000000" pitchFamily="50" charset="-127"/>
-      <p:regular r:id="rId29"/>
-      <p:bold r:id="rId30"/>
+      <p:regular r:id="rId28"/>
+      <p:bold r:id="rId29"/>
     </p:embeddedFont>
     <p:embeddedFont>
       <p:font typeface="Yoon 윤고딕 530_TT" panose="02090603020101020101" pitchFamily="18" charset="-127"/>
+      <p:regular r:id="rId30"/>
+    </p:embeddedFont>
+    <p:embeddedFont>
+      <p:font typeface="맑은 고딕" panose="020B0503020000020004" pitchFamily="50" charset="-127"/>
       <p:regular r:id="rId31"/>
+      <p:bold r:id="rId32"/>
     </p:embeddedFont>
     <p:embeddedFont>
       <p:font typeface="Yoon 윤고딕 540_TT" panose="02090603020101020101" pitchFamily="18" charset="-127"/>
-      <p:regular r:id="rId32"/>
+      <p:regular r:id="rId33"/>
+    </p:embeddedFont>
+    <p:embeddedFont>
+      <p:font typeface="Yoon 윤고딕 520_TT" panose="02090603020101020101" pitchFamily="18" charset="-127"/>
+      <p:regular r:id="rId34"/>
     </p:embeddedFont>
     <p:embeddedFont>
       <p:font typeface="Yoon 윤고딕 550_TT" panose="02090603020101020101" pitchFamily="18" charset="-127"/>
-      <p:regular r:id="rId33"/>
-    </p:embeddedFont>
-    <p:embeddedFont>
-      <p:font typeface="맑은 고딕" panose="020B0503020000020004" pitchFamily="50" charset="-127"/>
-      <p:regular r:id="rId34"/>
-      <p:bold r:id="rId35"/>
+      <p:regular r:id="rId35"/>
     </p:embeddedFont>
     <p:embeddedFont>
       <p:font typeface="나눔바른고딕" panose="020B0603020101020101" pitchFamily="50" charset="-127"/>
       <p:regular r:id="rId36"/>
       <p:bold r:id="rId37"/>
-    </p:embeddedFont>
-    <p:embeddedFont>
-      <p:font typeface="Yoon 윤고딕 520_TT" panose="02090603020101020101" pitchFamily="18" charset="-127"/>
-      <p:regular r:id="rId38"/>
     </p:embeddedFont>
   </p:embeddedFontLst>
   <p:defaultTextStyle>
@@ -267,7 +266,7 @@
             <a:fld id="{475D9917-71F1-44EF-919B-07395B041424}" type="datetimeFigureOut">
               <a:rPr lang="ko-KR" altLang="en-US" smtClean="0"/>
               <a:pPr/>
-              <a:t>2017-02-15</a:t>
+              <a:t>2017-02-16</a:t>
             </a:fld>
             <a:endParaRPr lang="ko-KR" altLang="en-US" dirty="0"/>
           </a:p>
@@ -1033,7 +1032,7 @@
             <a:fld id="{BB2D0AC0-28BF-498B-B77A-8CC85EE74D7D}" type="datetimeFigureOut">
               <a:rPr lang="ko-KR" altLang="en-US" smtClean="0"/>
               <a:pPr/>
-              <a:t>2017-02-15</a:t>
+              <a:t>2017-02-16</a:t>
             </a:fld>
             <a:endParaRPr lang="ko-KR" altLang="en-US" dirty="0"/>
           </a:p>
@@ -1203,7 +1202,7 @@
             <a:fld id="{BB2D0AC0-28BF-498B-B77A-8CC85EE74D7D}" type="datetimeFigureOut">
               <a:rPr lang="ko-KR" altLang="en-US" smtClean="0"/>
               <a:pPr/>
-              <a:t>2017-02-15</a:t>
+              <a:t>2017-02-16</a:t>
             </a:fld>
             <a:endParaRPr lang="ko-KR" altLang="en-US" dirty="0"/>
           </a:p>
@@ -1383,7 +1382,7 @@
             <a:fld id="{BB2D0AC0-28BF-498B-B77A-8CC85EE74D7D}" type="datetimeFigureOut">
               <a:rPr lang="ko-KR" altLang="en-US" smtClean="0"/>
               <a:pPr/>
-              <a:t>2017-02-15</a:t>
+              <a:t>2017-02-16</a:t>
             </a:fld>
             <a:endParaRPr lang="ko-KR" altLang="en-US" dirty="0"/>
           </a:p>
@@ -1553,7 +1552,7 @@
             <a:fld id="{BB2D0AC0-28BF-498B-B77A-8CC85EE74D7D}" type="datetimeFigureOut">
               <a:rPr lang="ko-KR" altLang="en-US" smtClean="0"/>
               <a:pPr/>
-              <a:t>2017-02-15</a:t>
+              <a:t>2017-02-16</a:t>
             </a:fld>
             <a:endParaRPr lang="ko-KR" altLang="en-US" dirty="0"/>
           </a:p>
@@ -1800,7 +1799,7 @@
             <a:fld id="{BB2D0AC0-28BF-498B-B77A-8CC85EE74D7D}" type="datetimeFigureOut">
               <a:rPr lang="ko-KR" altLang="en-US" smtClean="0"/>
               <a:pPr/>
-              <a:t>2017-02-15</a:t>
+              <a:t>2017-02-16</a:t>
             </a:fld>
             <a:endParaRPr lang="ko-KR" altLang="en-US" dirty="0"/>
           </a:p>
@@ -2031,7 +2030,7 @@
             <a:fld id="{BB2D0AC0-28BF-498B-B77A-8CC85EE74D7D}" type="datetimeFigureOut">
               <a:rPr lang="ko-KR" altLang="en-US" smtClean="0"/>
               <a:pPr/>
-              <a:t>2017-02-15</a:t>
+              <a:t>2017-02-16</a:t>
             </a:fld>
             <a:endParaRPr lang="ko-KR" altLang="en-US" dirty="0"/>
           </a:p>
@@ -2397,7 +2396,7 @@
             <a:fld id="{BB2D0AC0-28BF-498B-B77A-8CC85EE74D7D}" type="datetimeFigureOut">
               <a:rPr lang="ko-KR" altLang="en-US" smtClean="0"/>
               <a:pPr/>
-              <a:t>2017-02-15</a:t>
+              <a:t>2017-02-16</a:t>
             </a:fld>
             <a:endParaRPr lang="ko-KR" altLang="en-US" dirty="0"/>
           </a:p>
@@ -2516,7 +2515,7 @@
             <a:fld id="{BB2D0AC0-28BF-498B-B77A-8CC85EE74D7D}" type="datetimeFigureOut">
               <a:rPr lang="ko-KR" altLang="en-US" smtClean="0"/>
               <a:pPr/>
-              <a:t>2017-02-15</a:t>
+              <a:t>2017-02-16</a:t>
             </a:fld>
             <a:endParaRPr lang="ko-KR" altLang="en-US" dirty="0"/>
           </a:p>
@@ -2613,7 +2612,7 @@
             <a:fld id="{BB2D0AC0-28BF-498B-B77A-8CC85EE74D7D}" type="datetimeFigureOut">
               <a:rPr lang="ko-KR" altLang="en-US" smtClean="0"/>
               <a:pPr/>
-              <a:t>2017-02-15</a:t>
+              <a:t>2017-02-16</a:t>
             </a:fld>
             <a:endParaRPr lang="ko-KR" altLang="en-US" dirty="0"/>
           </a:p>
@@ -2890,7 +2889,7 @@
             <a:fld id="{BB2D0AC0-28BF-498B-B77A-8CC85EE74D7D}" type="datetimeFigureOut">
               <a:rPr lang="ko-KR" altLang="en-US" smtClean="0"/>
               <a:pPr/>
-              <a:t>2017-02-15</a:t>
+              <a:t>2017-02-16</a:t>
             </a:fld>
             <a:endParaRPr lang="ko-KR" altLang="en-US" dirty="0"/>
           </a:p>
@@ -3144,7 +3143,7 @@
             <a:fld id="{BB2D0AC0-28BF-498B-B77A-8CC85EE74D7D}" type="datetimeFigureOut">
               <a:rPr lang="ko-KR" altLang="en-US" smtClean="0"/>
               <a:pPr/>
-              <a:t>2017-02-15</a:t>
+              <a:t>2017-02-16</a:t>
             </a:fld>
             <a:endParaRPr lang="ko-KR" altLang="en-US" dirty="0"/>
           </a:p>
@@ -3362,7 +3361,7 @@
             <a:fld id="{BB2D0AC0-28BF-498B-B77A-8CC85EE74D7D}" type="datetimeFigureOut">
               <a:rPr lang="ko-KR" altLang="en-US" smtClean="0"/>
               <a:pPr/>
-              <a:t>2017-02-15</a:t>
+              <a:t>2017-02-16</a:t>
             </a:fld>
             <a:endParaRPr lang="ko-KR" altLang="en-US" dirty="0"/>
           </a:p>
@@ -5579,7 +5578,7 @@
         </p:nvGrpSpPr>
         <p:grpSpPr>
           <a:xfrm>
-            <a:off x="720083" y="2144920"/>
+            <a:off x="720083" y="1491769"/>
             <a:ext cx="10616218" cy="1107996"/>
             <a:chOff x="720083" y="1843955"/>
             <a:chExt cx="10616218" cy="1107996"/>
@@ -5804,7 +5803,7 @@
         </p:nvGrpSpPr>
         <p:grpSpPr>
           <a:xfrm>
-            <a:off x="720083" y="3620750"/>
+            <a:off x="720083" y="4758884"/>
             <a:ext cx="8670048" cy="1222868"/>
             <a:chOff x="720083" y="3319785"/>
             <a:chExt cx="8670048" cy="1222868"/>
@@ -6124,6 +6123,169 @@
           </a:fontRef>
         </p:style>
       </p:cxnSp>
+      <p:grpSp>
+        <p:nvGrpSpPr>
+          <p:cNvPr id="22" name="그룹 21"/>
+          <p:cNvGrpSpPr/>
+          <p:nvPr/>
+        </p:nvGrpSpPr>
+        <p:grpSpPr>
+          <a:xfrm>
+            <a:off x="720083" y="3087126"/>
+            <a:ext cx="10616218" cy="1184396"/>
+            <a:chOff x="720083" y="3319785"/>
+            <a:chExt cx="8670048" cy="1184396"/>
+          </a:xfrm>
+        </p:grpSpPr>
+        <p:grpSp>
+          <p:nvGrpSpPr>
+            <p:cNvPr id="23" name="그룹 22"/>
+            <p:cNvGrpSpPr/>
+            <p:nvPr/>
+          </p:nvGrpSpPr>
+          <p:grpSpPr>
+            <a:xfrm>
+              <a:off x="720083" y="3319785"/>
+              <a:ext cx="2398151" cy="1107996"/>
+              <a:chOff x="365398" y="2123594"/>
+              <a:chExt cx="2398151" cy="1700992"/>
+            </a:xfrm>
+          </p:grpSpPr>
+          <p:sp>
+            <p:nvSpPr>
+              <p:cNvPr id="29" name="TextBox 28"/>
+              <p:cNvSpPr txBox="1"/>
+              <p:nvPr/>
+            </p:nvSpPr>
+            <p:spPr>
+              <a:xfrm>
+                <a:off x="365398" y="2123594"/>
+                <a:ext cx="835298" cy="1700992"/>
+              </a:xfrm>
+              <a:prstGeom prst="rect">
+                <a:avLst/>
+              </a:prstGeom>
+              <a:noFill/>
+            </p:spPr>
+            <p:txBody>
+              <a:bodyPr wrap="square" rtlCol="0">
+                <a:spAutoFit/>
+              </a:bodyPr>
+              <a:lstStyle/>
+              <a:p>
+                <a:r>
+                  <a:rPr lang="en-US" altLang="ko-KR" sz="6600" spc="-300" dirty="0">
+                    <a:solidFill>
+                      <a:srgbClr val="7F7F7F"/>
+                    </a:solidFill>
+                    <a:latin typeface="Yoon 윤고딕 550_TT" panose="02090603020101020101" pitchFamily="18" charset="-127"/>
+                    <a:ea typeface="Yoon 윤고딕 550_TT" panose="02090603020101020101" pitchFamily="18" charset="-127"/>
+                  </a:rPr>
+                  <a:t>*</a:t>
+                </a:r>
+                <a:endParaRPr lang="ko-KR" altLang="en-US" sz="6600" spc="-300" dirty="0">
+                  <a:solidFill>
+                    <a:srgbClr val="7F7F7F"/>
+                  </a:solidFill>
+                  <a:latin typeface="Yoon 윤고딕 520_TT" panose="02090603020101020101" pitchFamily="18" charset="-127"/>
+                  <a:ea typeface="Yoon 윤고딕 520_TT" panose="02090603020101020101" pitchFamily="18" charset="-127"/>
+                </a:endParaRPr>
+              </a:p>
+            </p:txBody>
+          </p:sp>
+          <p:sp>
+            <p:nvSpPr>
+              <p:cNvPr id="30" name="TextBox 29"/>
+              <p:cNvSpPr txBox="1"/>
+              <p:nvPr/>
+            </p:nvSpPr>
+            <p:spPr>
+              <a:xfrm>
+                <a:off x="969485" y="2155859"/>
+                <a:ext cx="1794064" cy="708747"/>
+              </a:xfrm>
+              <a:prstGeom prst="rect">
+                <a:avLst/>
+              </a:prstGeom>
+              <a:grpFill/>
+            </p:spPr>
+            <p:txBody>
+              <a:bodyPr wrap="square" rtlCol="0">
+                <a:spAutoFit/>
+              </a:bodyPr>
+              <a:lstStyle/>
+              <a:p>
+                <a:r>
+                  <a:rPr lang="ko-KR" altLang="en-US" sz="2400" spc="-300" dirty="0">
+                    <a:solidFill>
+                      <a:srgbClr val="595959"/>
+                    </a:solidFill>
+                    <a:latin typeface="Yoon 윤고딕 530_TT" panose="02090603020101020101" pitchFamily="18" charset="-127"/>
+                    <a:ea typeface="Yoon 윤고딕 530_TT" panose="02090603020101020101" pitchFamily="18" charset="-127"/>
+                  </a:rPr>
+                  <a:t>고려사항</a:t>
+                </a:r>
+                <a:endParaRPr lang="en-US" altLang="ko-KR" sz="2400" spc="-300" dirty="0">
+                  <a:solidFill>
+                    <a:srgbClr val="595959"/>
+                  </a:solidFill>
+                  <a:latin typeface="Yoon 윤고딕 530_TT" panose="02090603020101020101" pitchFamily="18" charset="-127"/>
+                  <a:ea typeface="Yoon 윤고딕 530_TT" panose="02090603020101020101" pitchFamily="18" charset="-127"/>
+                </a:endParaRPr>
+              </a:p>
+            </p:txBody>
+          </p:sp>
+        </p:grpSp>
+        <p:sp>
+          <p:nvSpPr>
+            <p:cNvPr id="24" name="TextBox 23"/>
+            <p:cNvSpPr txBox="1"/>
+            <p:nvPr/>
+          </p:nvSpPr>
+          <p:spPr>
+            <a:xfrm>
+              <a:off x="1322020" y="3988655"/>
+              <a:ext cx="8068111" cy="515526"/>
+            </a:xfrm>
+            <a:prstGeom prst="rect">
+              <a:avLst/>
+            </a:prstGeom>
+            <a:grpFill/>
+          </p:spPr>
+          <p:txBody>
+            <a:bodyPr wrap="square" rtlCol="0">
+              <a:spAutoFit/>
+            </a:bodyPr>
+            <a:lstStyle/>
+            <a:p>
+              <a:pPr marL="342900" lvl="0" indent="-342900" fontAlgn="base">
+                <a:lnSpc>
+                  <a:spcPct val="150000"/>
+                </a:lnSpc>
+                <a:buFont typeface="Wingdings" panose="05000000000000000000" pitchFamily="2" charset="2"/>
+                <a:buChar char="§"/>
+              </a:pPr>
+              <a:r>
+                <a:rPr lang="ko-KR" altLang="en-US" sz="2000" spc="-150" dirty="0">
+                  <a:solidFill>
+                    <a:srgbClr val="7F7F7F"/>
+                  </a:solidFill>
+                  <a:latin typeface="Yoon 윤고딕 520_TT" panose="02090603020101020101" pitchFamily="18" charset="-127"/>
+                  <a:ea typeface="Yoon 윤고딕 520_TT" panose="02090603020101020101" pitchFamily="18" charset="-127"/>
+                </a:rPr>
+                <a:t>직선 거리가 아닌 실제 자동차 주행 거리를 기준으로 하므로 모든 경로의 거리를 파악해야 함</a:t>
+              </a:r>
+              <a:endParaRPr lang="en-US" altLang="ko-KR" sz="2000" spc="-150" dirty="0">
+                <a:solidFill>
+                  <a:srgbClr val="7F7F7F"/>
+                </a:solidFill>
+                <a:latin typeface="Yoon 윤고딕 520_TT" panose="02090603020101020101" pitchFamily="18" charset="-127"/>
+                <a:ea typeface="Yoon 윤고딕 520_TT" panose="02090603020101020101" pitchFamily="18" charset="-127"/>
+              </a:endParaRPr>
+            </a:p>
+          </p:txBody>
+        </p:sp>
+      </p:grpSp>
     </p:spTree>
     <p:extLst>
       <p:ext uri="{BB962C8B-B14F-4D97-AF65-F5344CB8AC3E}">
@@ -6154,739 +6316,6 @@
           <a:chExt cx="0" cy="0"/>
         </a:xfrm>
       </p:grpSpPr>
-      <p:grpSp>
-        <p:nvGrpSpPr>
-          <p:cNvPr id="4" name="그룹 3"/>
-          <p:cNvGrpSpPr/>
-          <p:nvPr/>
-        </p:nvGrpSpPr>
-        <p:grpSpPr>
-          <a:xfrm>
-            <a:off x="720083" y="1597911"/>
-            <a:ext cx="10646611" cy="4457286"/>
-            <a:chOff x="720083" y="1597911"/>
-            <a:chExt cx="10646611" cy="4457286"/>
-          </a:xfrm>
-        </p:grpSpPr>
-        <p:grpSp>
-          <p:nvGrpSpPr>
-            <p:cNvPr id="7" name="그룹 6"/>
-            <p:cNvGrpSpPr/>
-            <p:nvPr/>
-          </p:nvGrpSpPr>
-          <p:grpSpPr>
-            <a:xfrm>
-              <a:off x="720083" y="1597911"/>
-              <a:ext cx="1924642" cy="983296"/>
-              <a:chOff x="365398" y="2123594"/>
-              <a:chExt cx="1924642" cy="1700992"/>
-            </a:xfrm>
-          </p:grpSpPr>
-          <p:sp>
-            <p:nvSpPr>
-              <p:cNvPr id="9" name="TextBox 8"/>
-              <p:cNvSpPr txBox="1"/>
-              <p:nvPr/>
-            </p:nvSpPr>
-            <p:spPr>
-              <a:xfrm>
-                <a:off x="365398" y="2123594"/>
-                <a:ext cx="835298" cy="1700992"/>
-              </a:xfrm>
-              <a:prstGeom prst="rect">
-                <a:avLst/>
-              </a:prstGeom>
-              <a:noFill/>
-            </p:spPr>
-            <p:txBody>
-              <a:bodyPr wrap="square" rtlCol="0">
-                <a:spAutoFit/>
-              </a:bodyPr>
-              <a:lstStyle/>
-              <a:p>
-                <a:r>
-                  <a:rPr lang="en-US" altLang="ko-KR" sz="6600" spc="-300" dirty="0">
-                    <a:solidFill>
-                      <a:srgbClr val="7F7F7F"/>
-                    </a:solidFill>
-                    <a:latin typeface="Yoon 윤고딕 550_TT" panose="02090603020101020101" pitchFamily="18" charset="-127"/>
-                    <a:ea typeface="Yoon 윤고딕 550_TT" panose="02090603020101020101" pitchFamily="18" charset="-127"/>
-                  </a:rPr>
-                  <a:t>*</a:t>
-                </a:r>
-                <a:endParaRPr lang="ko-KR" altLang="en-US" sz="6600" spc="-300" dirty="0">
-                  <a:solidFill>
-                    <a:srgbClr val="7F7F7F"/>
-                  </a:solidFill>
-                  <a:latin typeface="Yoon 윤고딕 520_TT" panose="02090603020101020101" pitchFamily="18" charset="-127"/>
-                  <a:ea typeface="Yoon 윤고딕 520_TT" panose="02090603020101020101" pitchFamily="18" charset="-127"/>
-                </a:endParaRPr>
-              </a:p>
-            </p:txBody>
-          </p:sp>
-          <p:sp>
-            <p:nvSpPr>
-              <p:cNvPr id="10" name="TextBox 9"/>
-              <p:cNvSpPr txBox="1"/>
-              <p:nvPr/>
-            </p:nvSpPr>
-            <p:spPr>
-              <a:xfrm>
-                <a:off x="967333" y="2155859"/>
-                <a:ext cx="1322707" cy="708747"/>
-              </a:xfrm>
-              <a:prstGeom prst="rect">
-                <a:avLst/>
-              </a:prstGeom>
-              <a:grpFill/>
-            </p:spPr>
-            <p:txBody>
-              <a:bodyPr wrap="square" rtlCol="0">
-                <a:spAutoFit/>
-              </a:bodyPr>
-              <a:lstStyle/>
-              <a:p>
-                <a:r>
-                  <a:rPr lang="ko-KR" altLang="en-US" sz="2400" spc="-300" dirty="0">
-                    <a:solidFill>
-                      <a:srgbClr val="595959"/>
-                    </a:solidFill>
-                    <a:latin typeface="Yoon 윤고딕 530_TT" panose="02090603020101020101" pitchFamily="18" charset="-127"/>
-                    <a:ea typeface="Yoon 윤고딕 530_TT" panose="02090603020101020101" pitchFamily="18" charset="-127"/>
-                  </a:rPr>
-                  <a:t>주요 함수</a:t>
-                </a:r>
-                <a:endParaRPr lang="en-US" altLang="ko-KR" sz="2400" spc="-300" dirty="0">
-                  <a:solidFill>
-                    <a:srgbClr val="595959"/>
-                  </a:solidFill>
-                  <a:latin typeface="Yoon 윤고딕 530_TT" panose="02090603020101020101" pitchFamily="18" charset="-127"/>
-                  <a:ea typeface="Yoon 윤고딕 530_TT" panose="02090603020101020101" pitchFamily="18" charset="-127"/>
-                </a:endParaRPr>
-              </a:p>
-            </p:txBody>
-          </p:sp>
-        </p:grpSp>
-        <p:sp>
-          <p:nvSpPr>
-            <p:cNvPr id="8" name="TextBox 7"/>
-            <p:cNvSpPr txBox="1"/>
-            <p:nvPr/>
-          </p:nvSpPr>
-          <p:spPr>
-            <a:xfrm>
-              <a:off x="1322019" y="1985977"/>
-              <a:ext cx="10044675" cy="1384995"/>
-            </a:xfrm>
-            <a:prstGeom prst="rect">
-              <a:avLst/>
-            </a:prstGeom>
-            <a:grpFill/>
-          </p:spPr>
-          <p:txBody>
-            <a:bodyPr wrap="square" rtlCol="0">
-              <a:spAutoFit/>
-            </a:bodyPr>
-            <a:lstStyle/>
-            <a:p>
-              <a:pPr marL="342900" lvl="0" indent="-342900" fontAlgn="base">
-                <a:lnSpc>
-                  <a:spcPct val="150000"/>
-                </a:lnSpc>
-                <a:buFont typeface="Wingdings" panose="05000000000000000000" pitchFamily="2" charset="2"/>
-                <a:buChar char="§"/>
-              </a:pPr>
-              <a:r>
-                <a:rPr lang="en-US" altLang="ko-KR" sz="2000" dirty="0">
-                  <a:solidFill>
-                    <a:srgbClr val="595959"/>
-                  </a:solidFill>
-                  <a:latin typeface="Yoon 윤고딕 530_TT" panose="02090603020101020101" pitchFamily="18" charset="-127"/>
-                  <a:ea typeface="Yoon 윤고딕 530_TT" panose="02090603020101020101" pitchFamily="18" charset="-127"/>
-                </a:rPr>
-                <a:t>void </a:t>
-              </a:r>
-              <a:r>
-                <a:rPr lang="en-US" altLang="ko-KR" sz="2000" dirty="0" err="1">
-                  <a:solidFill>
-                    <a:srgbClr val="595959"/>
-                  </a:solidFill>
-                  <a:latin typeface="Yoon 윤고딕 530_TT" panose="02090603020101020101" pitchFamily="18" charset="-127"/>
-                  <a:ea typeface="Yoon 윤고딕 530_TT" panose="02090603020101020101" pitchFamily="18" charset="-127"/>
-                </a:rPr>
-                <a:t>setOptimalRoute</a:t>
-              </a:r>
-              <a:r>
-                <a:rPr lang="en-US" altLang="ko-KR" sz="2000" dirty="0">
-                  <a:solidFill>
-                    <a:srgbClr val="595959"/>
-                  </a:solidFill>
-                  <a:latin typeface="Yoon 윤고딕 530_TT" panose="02090603020101020101" pitchFamily="18" charset="-127"/>
-                  <a:ea typeface="Yoon 윤고딕 530_TT" panose="02090603020101020101" pitchFamily="18" charset="-127"/>
-                </a:rPr>
-                <a:t> (MapPoint start, MapPoint end , </a:t>
-              </a:r>
-              <a:r>
-                <a:rPr lang="en-US" altLang="ko-KR" sz="2000" dirty="0" err="1">
-                  <a:solidFill>
-                    <a:srgbClr val="595959"/>
-                  </a:solidFill>
-                  <a:latin typeface="Yoon 윤고딕 530_TT" panose="02090603020101020101" pitchFamily="18" charset="-127"/>
-                  <a:ea typeface="Yoon 윤고딕 530_TT" panose="02090603020101020101" pitchFamily="18" charset="-127"/>
-                </a:rPr>
-                <a:t>ArrayList</a:t>
-              </a:r>
-              <a:r>
-                <a:rPr lang="en-US" altLang="ko-KR" sz="2000" dirty="0">
-                  <a:solidFill>
-                    <a:srgbClr val="595959"/>
-                  </a:solidFill>
-                  <a:latin typeface="Yoon 윤고딕 530_TT" panose="02090603020101020101" pitchFamily="18" charset="-127"/>
-                  <a:ea typeface="Yoon 윤고딕 530_TT" panose="02090603020101020101" pitchFamily="18" charset="-127"/>
-                </a:rPr>
-                <a:t>&lt;MapPoint&gt; path)</a:t>
-              </a:r>
-            </a:p>
-            <a:p>
-              <a:pPr marL="742950" lvl="1" indent="-285750" fontAlgn="base">
-                <a:lnSpc>
-                  <a:spcPct val="150000"/>
-                </a:lnSpc>
-                <a:buFontTx/>
-                <a:buChar char="-"/>
-              </a:pPr>
-              <a:r>
-                <a:rPr lang="ko-KR" altLang="en-US" dirty="0">
-                  <a:solidFill>
-                    <a:srgbClr val="7F7F7F"/>
-                  </a:solidFill>
-                  <a:latin typeface="Yoon 윤고딕 520_TT" panose="02090603020101020101" pitchFamily="18" charset="-127"/>
-                  <a:ea typeface="Yoon 윤고딕 520_TT" panose="02090603020101020101" pitchFamily="18" charset="-127"/>
-                </a:rPr>
-                <a:t>장소의 위도와 경도를 담은 </a:t>
-              </a:r>
-              <a:r>
-                <a:rPr lang="en-US" altLang="ko-KR" dirty="0">
-                  <a:solidFill>
-                    <a:srgbClr val="7F7F7F"/>
-                  </a:solidFill>
-                  <a:latin typeface="Yoon 윤고딕 520_TT" panose="02090603020101020101" pitchFamily="18" charset="-127"/>
-                  <a:ea typeface="Yoon 윤고딕 520_TT" panose="02090603020101020101" pitchFamily="18" charset="-127"/>
-                </a:rPr>
-                <a:t>MapPoint </a:t>
-              </a:r>
-              <a:r>
-                <a:rPr lang="ko-KR" altLang="en-US" dirty="0">
-                  <a:solidFill>
-                    <a:srgbClr val="7F7F7F"/>
-                  </a:solidFill>
-                  <a:latin typeface="Yoon 윤고딕 520_TT" panose="02090603020101020101" pitchFamily="18" charset="-127"/>
-                  <a:ea typeface="Yoon 윤고딕 520_TT" panose="02090603020101020101" pitchFamily="18" charset="-127"/>
-                </a:rPr>
-                <a:t>객체인 출발지</a:t>
-              </a:r>
-              <a:r>
-                <a:rPr lang="en-US" altLang="ko-KR" dirty="0">
-                  <a:solidFill>
-                    <a:srgbClr val="7F7F7F"/>
-                  </a:solidFill>
-                  <a:latin typeface="Yoon 윤고딕 520_TT" panose="02090603020101020101" pitchFamily="18" charset="-127"/>
-                  <a:ea typeface="Yoon 윤고딕 520_TT" panose="02090603020101020101" pitchFamily="18" charset="-127"/>
-                </a:rPr>
-                <a:t>, </a:t>
-              </a:r>
-              <a:r>
-                <a:rPr lang="ko-KR" altLang="en-US" dirty="0">
-                  <a:solidFill>
-                    <a:srgbClr val="7F7F7F"/>
-                  </a:solidFill>
-                  <a:latin typeface="Yoon 윤고딕 520_TT" panose="02090603020101020101" pitchFamily="18" charset="-127"/>
-                  <a:ea typeface="Yoon 윤고딕 520_TT" panose="02090603020101020101" pitchFamily="18" charset="-127"/>
-                </a:rPr>
-                <a:t>도착지</a:t>
-              </a:r>
-              <a:r>
-                <a:rPr lang="en-US" altLang="ko-KR" dirty="0">
-                  <a:solidFill>
-                    <a:srgbClr val="7F7F7F"/>
-                  </a:solidFill>
-                  <a:latin typeface="Yoon 윤고딕 520_TT" panose="02090603020101020101" pitchFamily="18" charset="-127"/>
-                  <a:ea typeface="Yoon 윤고딕 520_TT" panose="02090603020101020101" pitchFamily="18" charset="-127"/>
-                </a:rPr>
-                <a:t>, </a:t>
-              </a:r>
-              <a:r>
-                <a:rPr lang="ko-KR" altLang="en-US" dirty="0">
-                  <a:solidFill>
-                    <a:srgbClr val="7F7F7F"/>
-                  </a:solidFill>
-                  <a:latin typeface="Yoon 윤고딕 520_TT" panose="02090603020101020101" pitchFamily="18" charset="-127"/>
-                  <a:ea typeface="Yoon 윤고딕 520_TT" panose="02090603020101020101" pitchFamily="18" charset="-127"/>
-                </a:rPr>
-                <a:t>경유지 </a:t>
-              </a:r>
-              <a:r>
-                <a:rPr lang="en-US" altLang="ko-KR" dirty="0" err="1">
-                  <a:solidFill>
-                    <a:srgbClr val="7F7F7F"/>
-                  </a:solidFill>
-                  <a:latin typeface="Yoon 윤고딕 520_TT" panose="02090603020101020101" pitchFamily="18" charset="-127"/>
-                  <a:ea typeface="Yoon 윤고딕 520_TT" panose="02090603020101020101" pitchFamily="18" charset="-127"/>
-                </a:rPr>
-                <a:t>ArrayList</a:t>
-              </a:r>
-              <a:r>
-                <a:rPr lang="ko-KR" altLang="en-US" dirty="0">
-                  <a:solidFill>
-                    <a:srgbClr val="7F7F7F"/>
-                  </a:solidFill>
-                  <a:latin typeface="Yoon 윤고딕 520_TT" panose="02090603020101020101" pitchFamily="18" charset="-127"/>
-                  <a:ea typeface="Yoon 윤고딕 520_TT" panose="02090603020101020101" pitchFamily="18" charset="-127"/>
-                </a:rPr>
-                <a:t>를 받음</a:t>
-              </a:r>
-              <a:endParaRPr lang="en-US" altLang="ko-KR" dirty="0">
-                <a:solidFill>
-                  <a:srgbClr val="7F7F7F"/>
-                </a:solidFill>
-                <a:latin typeface="Yoon 윤고딕 520_TT" panose="02090603020101020101" pitchFamily="18" charset="-127"/>
-                <a:ea typeface="Yoon 윤고딕 520_TT" panose="02090603020101020101" pitchFamily="18" charset="-127"/>
-              </a:endParaRPr>
-            </a:p>
-            <a:p>
-              <a:pPr marL="742950" lvl="1" indent="-285750" fontAlgn="base">
-                <a:lnSpc>
-                  <a:spcPct val="150000"/>
-                </a:lnSpc>
-                <a:buFontTx/>
-                <a:buChar char="-"/>
-              </a:pPr>
-              <a:r>
-                <a:rPr lang="en-US" altLang="ko-KR" dirty="0" err="1">
-                  <a:solidFill>
-                    <a:srgbClr val="7F7F7F"/>
-                  </a:solidFill>
-                  <a:latin typeface="Yoon 윤고딕 520_TT" panose="02090603020101020101" pitchFamily="18" charset="-127"/>
-                  <a:ea typeface="Yoon 윤고딕 520_TT" panose="02090603020101020101" pitchFamily="18" charset="-127"/>
-                </a:rPr>
-                <a:t>getDistance</a:t>
-              </a:r>
-              <a:r>
-                <a:rPr lang="ko-KR" altLang="en-US" dirty="0">
-                  <a:solidFill>
-                    <a:srgbClr val="7F7F7F"/>
-                  </a:solidFill>
-                  <a:latin typeface="Yoon 윤고딕 520_TT" panose="02090603020101020101" pitchFamily="18" charset="-127"/>
-                  <a:ea typeface="Yoon 윤고딕 520_TT" panose="02090603020101020101" pitchFamily="18" charset="-127"/>
-                </a:rPr>
-                <a:t>와 </a:t>
-              </a:r>
-              <a:r>
-                <a:rPr lang="en-US" altLang="ko-KR" dirty="0" err="1">
-                  <a:solidFill>
-                    <a:srgbClr val="7F7F7F"/>
-                  </a:solidFill>
-                  <a:latin typeface="Yoon 윤고딕 520_TT" panose="02090603020101020101" pitchFamily="18" charset="-127"/>
-                  <a:ea typeface="Yoon 윤고딕 520_TT" panose="02090603020101020101" pitchFamily="18" charset="-127"/>
-                </a:rPr>
-                <a:t>findShortestPath</a:t>
-              </a:r>
-              <a:r>
-                <a:rPr lang="ko-KR" altLang="en-US" dirty="0">
-                  <a:solidFill>
-                    <a:srgbClr val="7F7F7F"/>
-                  </a:solidFill>
-                  <a:latin typeface="Yoon 윤고딕 520_TT" panose="02090603020101020101" pitchFamily="18" charset="-127"/>
-                  <a:ea typeface="Yoon 윤고딕 520_TT" panose="02090603020101020101" pitchFamily="18" charset="-127"/>
-                </a:rPr>
-                <a:t>를 호출해 거리를 계산하고</a:t>
-              </a:r>
-              <a:r>
-                <a:rPr lang="en-US" altLang="ko-KR" dirty="0">
-                  <a:solidFill>
-                    <a:srgbClr val="7F7F7F"/>
-                  </a:solidFill>
-                  <a:latin typeface="Yoon 윤고딕 520_TT" panose="02090603020101020101" pitchFamily="18" charset="-127"/>
-                  <a:ea typeface="Yoon 윤고딕 520_TT" panose="02090603020101020101" pitchFamily="18" charset="-127"/>
-                </a:rPr>
-                <a:t>, </a:t>
-              </a:r>
-              <a:r>
-                <a:rPr lang="ko-KR" altLang="en-US" dirty="0">
-                  <a:solidFill>
-                    <a:srgbClr val="7F7F7F"/>
-                  </a:solidFill>
-                  <a:latin typeface="Yoon 윤고딕 520_TT" panose="02090603020101020101" pitchFamily="18" charset="-127"/>
-                  <a:ea typeface="Yoon 윤고딕 520_TT" panose="02090603020101020101" pitchFamily="18" charset="-127"/>
-                </a:rPr>
-                <a:t>최단 경로를 탐색</a:t>
-              </a:r>
-              <a:r>
-                <a:rPr lang="en-US" altLang="ko-KR" dirty="0">
-                  <a:solidFill>
-                    <a:srgbClr val="7F7F7F"/>
-                  </a:solidFill>
-                  <a:latin typeface="Yoon 윤고딕 520_TT" panose="02090603020101020101" pitchFamily="18" charset="-127"/>
-                  <a:ea typeface="Yoon 윤고딕 520_TT" panose="02090603020101020101" pitchFamily="18" charset="-127"/>
-                </a:rPr>
-                <a:t> </a:t>
-              </a:r>
-            </a:p>
-          </p:txBody>
-        </p:sp>
-        <p:sp>
-          <p:nvSpPr>
-            <p:cNvPr id="12" name="TextBox 11"/>
-            <p:cNvSpPr txBox="1"/>
-            <p:nvPr/>
-          </p:nvSpPr>
-          <p:spPr>
-            <a:xfrm>
-              <a:off x="1322019" y="3535839"/>
-              <a:ext cx="10044675" cy="969496"/>
-            </a:xfrm>
-            <a:prstGeom prst="rect">
-              <a:avLst/>
-            </a:prstGeom>
-            <a:grpFill/>
-          </p:spPr>
-          <p:txBody>
-            <a:bodyPr wrap="square" rtlCol="0">
-              <a:spAutoFit/>
-            </a:bodyPr>
-            <a:lstStyle/>
-            <a:p>
-              <a:pPr marL="342900" lvl="0" indent="-342900" fontAlgn="base">
-                <a:lnSpc>
-                  <a:spcPct val="150000"/>
-                </a:lnSpc>
-                <a:buFont typeface="Wingdings" panose="05000000000000000000" pitchFamily="2" charset="2"/>
-                <a:buChar char="§"/>
-              </a:pPr>
-              <a:r>
-                <a:rPr lang="en-US" altLang="ko-KR" sz="2000" dirty="0" err="1">
-                  <a:solidFill>
-                    <a:srgbClr val="595959"/>
-                  </a:solidFill>
-                  <a:latin typeface="Yoon 윤고딕 530_TT" panose="02090603020101020101" pitchFamily="18" charset="-127"/>
-                  <a:ea typeface="Yoon 윤고딕 530_TT" panose="02090603020101020101" pitchFamily="18" charset="-127"/>
-                </a:rPr>
-                <a:t>ArrayList</a:t>
-              </a:r>
-              <a:r>
-                <a:rPr lang="en-US" altLang="ko-KR" sz="2000" dirty="0">
-                  <a:solidFill>
-                    <a:srgbClr val="595959"/>
-                  </a:solidFill>
-                  <a:latin typeface="Yoon 윤고딕 530_TT" panose="02090603020101020101" pitchFamily="18" charset="-127"/>
-                  <a:ea typeface="Yoon 윤고딕 530_TT" panose="02090603020101020101" pitchFamily="18" charset="-127"/>
-                </a:rPr>
-                <a:t>&lt;MapPoint&gt; </a:t>
-              </a:r>
-              <a:r>
-                <a:rPr lang="en-US" altLang="ko-KR" sz="2000" dirty="0" err="1">
-                  <a:solidFill>
-                    <a:srgbClr val="595959"/>
-                  </a:solidFill>
-                  <a:latin typeface="Yoon 윤고딕 530_TT" panose="02090603020101020101" pitchFamily="18" charset="-127"/>
-                  <a:ea typeface="Yoon 윤고딕 530_TT" panose="02090603020101020101" pitchFamily="18" charset="-127"/>
-                </a:rPr>
-                <a:t>getOptimalRoute</a:t>
-              </a:r>
-              <a:r>
-                <a:rPr lang="en-US" altLang="ko-KR" sz="2000" dirty="0">
-                  <a:solidFill>
-                    <a:srgbClr val="595959"/>
-                  </a:solidFill>
-                  <a:latin typeface="Yoon 윤고딕 530_TT" panose="02090603020101020101" pitchFamily="18" charset="-127"/>
-                  <a:ea typeface="Yoon 윤고딕 530_TT" panose="02090603020101020101" pitchFamily="18" charset="-127"/>
-                </a:rPr>
-                <a:t> ()</a:t>
-              </a:r>
-            </a:p>
-            <a:p>
-              <a:pPr marL="742950" lvl="1" indent="-285750" fontAlgn="base">
-                <a:lnSpc>
-                  <a:spcPct val="150000"/>
-                </a:lnSpc>
-                <a:buFontTx/>
-                <a:buChar char="-"/>
-              </a:pPr>
-              <a:r>
-                <a:rPr lang="ko-KR" altLang="en-US" dirty="0">
-                  <a:solidFill>
-                    <a:srgbClr val="7F7F7F"/>
-                  </a:solidFill>
-                  <a:latin typeface="Yoon 윤고딕 520_TT" panose="02090603020101020101" pitchFamily="18" charset="-127"/>
-                  <a:ea typeface="Yoon 윤고딕 520_TT" panose="02090603020101020101" pitchFamily="18" charset="-127"/>
-                </a:rPr>
-                <a:t>탐색한 최단 경로를 리턴</a:t>
-              </a:r>
-              <a:endParaRPr lang="en-US" altLang="ko-KR" dirty="0">
-                <a:solidFill>
-                  <a:srgbClr val="7F7F7F"/>
-                </a:solidFill>
-                <a:latin typeface="Yoon 윤고딕 520_TT" panose="02090603020101020101" pitchFamily="18" charset="-127"/>
-                <a:ea typeface="Yoon 윤고딕 520_TT" panose="02090603020101020101" pitchFamily="18" charset="-127"/>
-              </a:endParaRPr>
-            </a:p>
-          </p:txBody>
-        </p:sp>
-        <p:sp>
-          <p:nvSpPr>
-            <p:cNvPr id="13" name="TextBox 12"/>
-            <p:cNvSpPr txBox="1"/>
-            <p:nvPr/>
-          </p:nvSpPr>
-          <p:spPr>
-            <a:xfrm>
-              <a:off x="1322019" y="4670202"/>
-              <a:ext cx="10044675" cy="1384995"/>
-            </a:xfrm>
-            <a:prstGeom prst="rect">
-              <a:avLst/>
-            </a:prstGeom>
-            <a:grpFill/>
-          </p:spPr>
-          <p:txBody>
-            <a:bodyPr wrap="square" rtlCol="0">
-              <a:spAutoFit/>
-            </a:bodyPr>
-            <a:lstStyle/>
-            <a:p>
-              <a:pPr marL="342900" lvl="0" indent="-342900" fontAlgn="base">
-                <a:lnSpc>
-                  <a:spcPct val="150000"/>
-                </a:lnSpc>
-                <a:buFont typeface="Wingdings" panose="05000000000000000000" pitchFamily="2" charset="2"/>
-                <a:buChar char="§"/>
-              </a:pPr>
-              <a:r>
-                <a:rPr lang="en-US" altLang="ko-KR" sz="2000" dirty="0" err="1">
-                  <a:solidFill>
-                    <a:srgbClr val="595959"/>
-                  </a:solidFill>
-                  <a:latin typeface="Yoon 윤고딕 530_TT" panose="02090603020101020101" pitchFamily="18" charset="-127"/>
-                  <a:ea typeface="Yoon 윤고딕 530_TT" panose="02090603020101020101" pitchFamily="18" charset="-127"/>
-                </a:rPr>
-                <a:t>MapPath</a:t>
-              </a:r>
-              <a:r>
-                <a:rPr lang="en-US" altLang="ko-KR" sz="2000" dirty="0">
-                  <a:solidFill>
-                    <a:srgbClr val="595959"/>
-                  </a:solidFill>
-                  <a:latin typeface="Yoon 윤고딕 530_TT" panose="02090603020101020101" pitchFamily="18" charset="-127"/>
-                  <a:ea typeface="Yoon 윤고딕 530_TT" panose="02090603020101020101" pitchFamily="18" charset="-127"/>
-                </a:rPr>
-                <a:t> </a:t>
-              </a:r>
-              <a:r>
-                <a:rPr lang="en-US" altLang="ko-KR" sz="2000" dirty="0" err="1">
-                  <a:solidFill>
-                    <a:srgbClr val="595959"/>
-                  </a:solidFill>
-                  <a:latin typeface="Yoon 윤고딕 530_TT" panose="02090603020101020101" pitchFamily="18" charset="-127"/>
-                  <a:ea typeface="Yoon 윤고딕 530_TT" panose="02090603020101020101" pitchFamily="18" charset="-127"/>
-                </a:rPr>
-                <a:t>getDistance</a:t>
-              </a:r>
-              <a:r>
-                <a:rPr lang="en-US" altLang="ko-KR" sz="2000" dirty="0">
-                  <a:solidFill>
-                    <a:srgbClr val="595959"/>
-                  </a:solidFill>
-                  <a:latin typeface="Yoon 윤고딕 530_TT" panose="02090603020101020101" pitchFamily="18" charset="-127"/>
-                  <a:ea typeface="Yoon 윤고딕 530_TT" panose="02090603020101020101" pitchFamily="18" charset="-127"/>
-                </a:rPr>
-                <a:t>(MapPoint pot1, MapPoint pot2, String </a:t>
-              </a:r>
-              <a:r>
-                <a:rPr lang="en-US" altLang="ko-KR" sz="2000" dirty="0" err="1">
-                  <a:solidFill>
-                    <a:srgbClr val="595959"/>
-                  </a:solidFill>
-                  <a:latin typeface="Yoon 윤고딕 530_TT" panose="02090603020101020101" pitchFamily="18" charset="-127"/>
-                  <a:ea typeface="Yoon 윤고딕 530_TT" panose="02090603020101020101" pitchFamily="18" charset="-127"/>
-                </a:rPr>
-                <a:t>pathOption</a:t>
-              </a:r>
-              <a:r>
-                <a:rPr lang="en-US" altLang="ko-KR" sz="2000" dirty="0">
-                  <a:solidFill>
-                    <a:srgbClr val="595959"/>
-                  </a:solidFill>
-                  <a:latin typeface="Yoon 윤고딕 530_TT" panose="02090603020101020101" pitchFamily="18" charset="-127"/>
-                  <a:ea typeface="Yoon 윤고딕 530_TT" panose="02090603020101020101" pitchFamily="18" charset="-127"/>
-                </a:rPr>
-                <a:t>);</a:t>
-              </a:r>
-            </a:p>
-            <a:p>
-              <a:pPr marL="800100" lvl="1" indent="-342900" fontAlgn="base">
-                <a:lnSpc>
-                  <a:spcPct val="150000"/>
-                </a:lnSpc>
-                <a:buFontTx/>
-                <a:buChar char="-"/>
-              </a:pPr>
-              <a:r>
-                <a:rPr lang="en-US" altLang="ko-KR" dirty="0">
-                  <a:solidFill>
-                    <a:srgbClr val="7F7F7F"/>
-                  </a:solidFill>
-                  <a:latin typeface="Yoon 윤고딕 520_TT" panose="02090603020101020101" pitchFamily="18" charset="-127"/>
-                  <a:ea typeface="Yoon 윤고딕 520_TT" panose="02090603020101020101" pitchFamily="18" charset="-127"/>
-                </a:rPr>
-                <a:t>Point1</a:t>
-              </a:r>
-              <a:r>
-                <a:rPr lang="ko-KR" altLang="en-US" dirty="0">
-                  <a:solidFill>
-                    <a:srgbClr val="7F7F7F"/>
-                  </a:solidFill>
-                  <a:latin typeface="Yoon 윤고딕 520_TT" panose="02090603020101020101" pitchFamily="18" charset="-127"/>
-                  <a:ea typeface="Yoon 윤고딕 520_TT" panose="02090603020101020101" pitchFamily="18" charset="-127"/>
-                </a:rPr>
-                <a:t>과 </a:t>
-              </a:r>
-              <a:r>
-                <a:rPr lang="en-US" altLang="ko-KR" dirty="0">
-                  <a:solidFill>
-                    <a:srgbClr val="7F7F7F"/>
-                  </a:solidFill>
-                  <a:latin typeface="Yoon 윤고딕 520_TT" panose="02090603020101020101" pitchFamily="18" charset="-127"/>
-                  <a:ea typeface="Yoon 윤고딕 520_TT" panose="02090603020101020101" pitchFamily="18" charset="-127"/>
-                </a:rPr>
-                <a:t>Point2 </a:t>
-              </a:r>
-              <a:r>
-                <a:rPr lang="ko-KR" altLang="en-US" dirty="0">
-                  <a:solidFill>
-                    <a:srgbClr val="7F7F7F"/>
-                  </a:solidFill>
-                  <a:latin typeface="Yoon 윤고딕 520_TT" panose="02090603020101020101" pitchFamily="18" charset="-127"/>
-                  <a:ea typeface="Yoon 윤고딕 520_TT" panose="02090603020101020101" pitchFamily="18" charset="-127"/>
-                </a:rPr>
-                <a:t>간의 거리와 경로를 담은 </a:t>
-              </a:r>
-              <a:r>
-                <a:rPr lang="en-US" altLang="ko-KR" dirty="0" err="1">
-                  <a:solidFill>
-                    <a:srgbClr val="7F7F7F"/>
-                  </a:solidFill>
-                  <a:latin typeface="Yoon 윤고딕 520_TT" panose="02090603020101020101" pitchFamily="18" charset="-127"/>
-                  <a:ea typeface="Yoon 윤고딕 520_TT" panose="02090603020101020101" pitchFamily="18" charset="-127"/>
-                </a:rPr>
-                <a:t>MapPath</a:t>
-              </a:r>
-              <a:r>
-                <a:rPr lang="en-US" altLang="ko-KR" dirty="0">
-                  <a:solidFill>
-                    <a:srgbClr val="7F7F7F"/>
-                  </a:solidFill>
-                  <a:latin typeface="Yoon 윤고딕 520_TT" panose="02090603020101020101" pitchFamily="18" charset="-127"/>
-                  <a:ea typeface="Yoon 윤고딕 520_TT" panose="02090603020101020101" pitchFamily="18" charset="-127"/>
-                </a:rPr>
-                <a:t> </a:t>
-              </a:r>
-              <a:r>
-                <a:rPr lang="ko-KR" altLang="en-US" dirty="0">
-                  <a:solidFill>
-                    <a:srgbClr val="7F7F7F"/>
-                  </a:solidFill>
-                  <a:latin typeface="Yoon 윤고딕 520_TT" panose="02090603020101020101" pitchFamily="18" charset="-127"/>
-                  <a:ea typeface="Yoon 윤고딕 520_TT" panose="02090603020101020101" pitchFamily="18" charset="-127"/>
-                </a:rPr>
-                <a:t>객체 리턴</a:t>
-              </a:r>
-              <a:endParaRPr lang="en-US" altLang="ko-KR" dirty="0">
-                <a:solidFill>
-                  <a:srgbClr val="7F7F7F"/>
-                </a:solidFill>
-                <a:latin typeface="Yoon 윤고딕 520_TT" panose="02090603020101020101" pitchFamily="18" charset="-127"/>
-                <a:ea typeface="Yoon 윤고딕 520_TT" panose="02090603020101020101" pitchFamily="18" charset="-127"/>
-              </a:endParaRPr>
-            </a:p>
-            <a:p>
-              <a:pPr marL="800100" lvl="1" indent="-342900" fontAlgn="base">
-                <a:lnSpc>
-                  <a:spcPct val="150000"/>
-                </a:lnSpc>
-                <a:buFontTx/>
-                <a:buChar char="-"/>
-              </a:pPr>
-              <a:r>
-                <a:rPr lang="en-US" altLang="ko-KR" dirty="0" err="1">
-                  <a:solidFill>
-                    <a:srgbClr val="7F7F7F"/>
-                  </a:solidFill>
-                  <a:latin typeface="Yoon 윤고딕 520_TT" panose="02090603020101020101" pitchFamily="18" charset="-127"/>
-                  <a:ea typeface="Yoon 윤고딕 520_TT" panose="02090603020101020101" pitchFamily="18" charset="-127"/>
-                </a:rPr>
-                <a:t>pathOption</a:t>
-              </a:r>
-              <a:r>
-                <a:rPr lang="ko-KR" altLang="en-US" dirty="0">
-                  <a:solidFill>
-                    <a:srgbClr val="7F7F7F"/>
-                  </a:solidFill>
-                  <a:latin typeface="Yoon 윤고딕 520_TT" panose="02090603020101020101" pitchFamily="18" charset="-127"/>
-                  <a:ea typeface="Yoon 윤고딕 520_TT" panose="02090603020101020101" pitchFamily="18" charset="-127"/>
-                </a:rPr>
-                <a:t>의 기본값은 </a:t>
-              </a:r>
-              <a:r>
-                <a:rPr lang="en-US" altLang="ko-KR" dirty="0">
-                  <a:solidFill>
-                    <a:srgbClr val="7F7F7F"/>
-                  </a:solidFill>
-                  <a:latin typeface="Yoon 윤고딕 520_TT" panose="02090603020101020101" pitchFamily="18" charset="-127"/>
-                  <a:ea typeface="Yoon 윤고딕 520_TT" panose="02090603020101020101" pitchFamily="18" charset="-127"/>
-                </a:rPr>
-                <a:t>CAR</a:t>
-              </a:r>
-              <a:r>
-                <a:rPr lang="ko-KR" altLang="en-US" dirty="0">
-                  <a:solidFill>
-                    <a:srgbClr val="7F7F7F"/>
-                  </a:solidFill>
-                  <a:latin typeface="Yoon 윤고딕 520_TT" panose="02090603020101020101" pitchFamily="18" charset="-127"/>
-                  <a:ea typeface="Yoon 윤고딕 520_TT" panose="02090603020101020101" pitchFamily="18" charset="-127"/>
-                </a:rPr>
-                <a:t>로 자동차 기준 경로를 환산</a:t>
-              </a:r>
-              <a:r>
-                <a:rPr lang="en-US" altLang="ko-KR" dirty="0">
-                  <a:solidFill>
-                    <a:srgbClr val="7F7F7F"/>
-                  </a:solidFill>
-                  <a:latin typeface="Yoon 윤고딕 520_TT" panose="02090603020101020101" pitchFamily="18" charset="-127"/>
-                  <a:ea typeface="Yoon 윤고딕 520_TT" panose="02090603020101020101" pitchFamily="18" charset="-127"/>
-                </a:rPr>
-                <a:t>, 800m </a:t>
-              </a:r>
-              <a:r>
-                <a:rPr lang="ko-KR" altLang="en-US" dirty="0">
-                  <a:solidFill>
-                    <a:srgbClr val="7F7F7F"/>
-                  </a:solidFill>
-                  <a:latin typeface="Yoon 윤고딕 520_TT" panose="02090603020101020101" pitchFamily="18" charset="-127"/>
-                  <a:ea typeface="Yoon 윤고딕 520_TT" panose="02090603020101020101" pitchFamily="18" charset="-127"/>
-                </a:rPr>
-                <a:t>이내일 경우 도보 경로 환산 </a:t>
-              </a:r>
-              <a:endParaRPr lang="en-US" altLang="ko-KR" dirty="0">
-                <a:solidFill>
-                  <a:srgbClr val="7F7F7F"/>
-                </a:solidFill>
-                <a:latin typeface="Yoon 윤고딕 520_TT" panose="02090603020101020101" pitchFamily="18" charset="-127"/>
-                <a:ea typeface="Yoon 윤고딕 520_TT" panose="02090603020101020101" pitchFamily="18" charset="-127"/>
-              </a:endParaRPr>
-            </a:p>
-          </p:txBody>
-        </p:sp>
-      </p:grpSp>
       <p:sp>
         <p:nvSpPr>
           <p:cNvPr id="2" name="TextBox 1"/>
@@ -7064,48 +6493,18 @@
           </a:fontRef>
         </p:style>
       </p:cxnSp>
-    </p:spTree>
-    <p:extLst>
-      <p:ext uri="{BB962C8B-B14F-4D97-AF65-F5344CB8AC3E}">
-        <p14:creationId xmlns:p14="http://schemas.microsoft.com/office/powerpoint/2010/main" val="4259226414"/>
-      </p:ext>
-    </p:extLst>
-  </p:cSld>
-  <p:clrMapOvr>
-    <a:masterClrMapping/>
-  </p:clrMapOvr>
-</p:sld>
-</file>
-
-<file path=ppt/slides/slide13.xml><?xml version="1.0" encoding="utf-8"?>
-<p:sld xmlns:a="http://schemas.openxmlformats.org/drawingml/2006/main" xmlns:r="http://schemas.openxmlformats.org/officeDocument/2006/relationships" xmlns:p="http://schemas.openxmlformats.org/presentationml/2006/main">
-  <p:cSld>
-    <p:spTree>
-      <p:nvGrpSpPr>
-        <p:cNvPr id="1" name=""/>
-        <p:cNvGrpSpPr/>
-        <p:nvPr/>
-      </p:nvGrpSpPr>
-      <p:grpSpPr>
-        <a:xfrm>
-          <a:off x="0" y="0"/>
-          <a:ext cx="0" cy="0"/>
-          <a:chOff x="0" y="0"/>
-          <a:chExt cx="0" cy="0"/>
-        </a:xfrm>
-      </p:grpSpPr>
       <p:grpSp>
         <p:nvGrpSpPr>
-          <p:cNvPr id="3" name="그룹 2"/>
+          <p:cNvPr id="11" name="그룹 10"/>
           <p:cNvGrpSpPr/>
           <p:nvPr/>
         </p:nvGrpSpPr>
         <p:grpSpPr>
           <a:xfrm>
             <a:off x="720083" y="1597911"/>
-            <a:ext cx="10646611" cy="2329643"/>
-            <a:chOff x="720083" y="1843955"/>
-            <a:chExt cx="10646611" cy="2625085"/>
+            <a:ext cx="10646611" cy="4473582"/>
+            <a:chOff x="720083" y="1597911"/>
+            <a:chExt cx="10646611" cy="4473582"/>
           </a:xfrm>
         </p:grpSpPr>
         <p:grpSp>
@@ -7116,8 +6515,8 @@
           </p:nvGrpSpPr>
           <p:grpSpPr>
             <a:xfrm>
-              <a:off x="720083" y="1843955"/>
-              <a:ext cx="1924642" cy="1107996"/>
+              <a:off x="720083" y="1597911"/>
+              <a:ext cx="1924642" cy="983296"/>
               <a:chOff x="365398" y="2123594"/>
               <a:chExt cx="1924642" cy="1700992"/>
             </a:xfrm>
@@ -7215,8 +6614,8 @@
           </p:nvSpPr>
           <p:spPr>
             <a:xfrm>
-              <a:off x="1322019" y="2388191"/>
-              <a:ext cx="10044675" cy="2080849"/>
+              <a:off x="1322019" y="1985977"/>
+              <a:ext cx="10044675" cy="1384995"/>
             </a:xfrm>
             <a:prstGeom prst="rect">
               <a:avLst/>
@@ -7237,44 +6636,54 @@
                 <a:buChar char="§"/>
               </a:pPr>
               <a:r>
-                <a:rPr lang="en-US" altLang="ko-KR" sz="2000" dirty="0" err="1">
+                <a:rPr lang="en-US" altLang="ko-KR" sz="2000" dirty="0">
                   <a:solidFill>
                     <a:srgbClr val="595959"/>
                   </a:solidFill>
                   <a:latin typeface="Yoon 윤고딕 530_TT" panose="02090603020101020101" pitchFamily="18" charset="-127"/>
                   <a:ea typeface="Yoon 윤고딕 530_TT" panose="02090603020101020101" pitchFamily="18" charset="-127"/>
                 </a:rPr>
-                <a:t>ArrayList</a:t>
-              </a:r>
-              <a:r>
-                <a:rPr lang="en-US" altLang="ko-KR" sz="2000" dirty="0">
+                <a:t>void </a:t>
+              </a:r>
+              <a:r>
+                <a:rPr lang="en-US" altLang="ko-KR" sz="2000" dirty="0" err="1">
                   <a:solidFill>
                     <a:srgbClr val="595959"/>
                   </a:solidFill>
                   <a:latin typeface="Yoon 윤고딕 530_TT" panose="02090603020101020101" pitchFamily="18" charset="-127"/>
                   <a:ea typeface="Yoon 윤고딕 530_TT" panose="02090603020101020101" pitchFamily="18" charset="-127"/>
                 </a:rPr>
-                <a:t>&lt;MapPoint&gt; </a:t>
-              </a:r>
-              <a:r>
-                <a:rPr lang="en-US" altLang="ko-KR" sz="2000" dirty="0" err="1">
+                <a:t>setOptimalRoute</a:t>
+              </a:r>
+              <a:r>
+                <a:rPr lang="en-US" altLang="ko-KR" sz="2000" dirty="0">
                   <a:solidFill>
                     <a:srgbClr val="595959"/>
                   </a:solidFill>
                   <a:latin typeface="Yoon 윤고딕 530_TT" panose="02090603020101020101" pitchFamily="18" charset="-127"/>
                   <a:ea typeface="Yoon 윤고딕 530_TT" panose="02090603020101020101" pitchFamily="18" charset="-127"/>
                 </a:rPr>
-                <a:t>findShortestPath</a:t>
-              </a:r>
-              <a:r>
-                <a:rPr lang="en-US" altLang="ko-KR" sz="2000" dirty="0">
+                <a:t> (</a:t>
+              </a:r>
+              <a:r>
+                <a:rPr lang="en-US" altLang="ko-KR" sz="2000" dirty="0" err="1">
                   <a:solidFill>
                     <a:srgbClr val="595959"/>
                   </a:solidFill>
                   <a:latin typeface="Yoon 윤고딕 530_TT" panose="02090603020101020101" pitchFamily="18" charset="-127"/>
                   <a:ea typeface="Yoon 윤고딕 530_TT" panose="02090603020101020101" pitchFamily="18" charset="-127"/>
                 </a:rPr>
-                <a:t> (??)</a:t>
+                <a:t>ArrayList</a:t>
+              </a:r>
+              <a:r>
+                <a:rPr lang="en-US" altLang="ko-KR" sz="2000" dirty="0">
+                  <a:solidFill>
+                    <a:srgbClr val="595959"/>
+                  </a:solidFill>
+                  <a:latin typeface="Yoon 윤고딕 530_TT" panose="02090603020101020101" pitchFamily="18" charset="-127"/>
+                  <a:ea typeface="Yoon 윤고딕 530_TT" panose="02090603020101020101" pitchFamily="18" charset="-127"/>
+                </a:rPr>
+                <a:t>&lt;MapPoint&gt; path)</a:t>
               </a:r>
             </a:p>
             <a:p>
@@ -7293,7 +6702,7 @@
                   <a:latin typeface="Yoon 윤고딕 520_TT" panose="02090603020101020101" pitchFamily="18" charset="-127"/>
                   <a:ea typeface="Yoon 윤고딕 520_TT" panose="02090603020101020101" pitchFamily="18" charset="-127"/>
                 </a:rPr>
-                <a:t>최단 경로 알고리즘</a:t>
+                <a:t>여행지의 위도와 경도를 담은 </a:t>
               </a:r>
               <a:r>
                 <a:rPr lang="en-US" altLang="ko-KR" dirty="0">
@@ -7303,27 +6712,27 @@
                   <a:latin typeface="Yoon 윤고딕 520_TT" panose="02090603020101020101" pitchFamily="18" charset="-127"/>
                   <a:ea typeface="Yoon 윤고딕 520_TT" panose="02090603020101020101" pitchFamily="18" charset="-127"/>
                 </a:rPr>
-                <a:t>(</a:t>
-              </a:r>
-              <a:r>
-                <a:rPr lang="ko-KR" altLang="en-US" dirty="0" err="1">
+                <a:t>MapPoint </a:t>
+              </a:r>
+              <a:r>
+                <a:rPr lang="ko-KR" altLang="en-US" dirty="0">
                   <a:solidFill>
                     <a:srgbClr val="7F7F7F"/>
                   </a:solidFill>
                   <a:latin typeface="Yoon 윤고딕 520_TT" panose="02090603020101020101" pitchFamily="18" charset="-127"/>
                   <a:ea typeface="Yoon 윤고딕 520_TT" panose="02090603020101020101" pitchFamily="18" charset="-127"/>
                 </a:rPr>
-                <a:t>뭐쓰지</a:t>
-              </a:r>
-              <a:r>
-                <a:rPr lang="en-US" altLang="ko-KR" dirty="0">
+                <a:t>객체 </a:t>
+              </a:r>
+              <a:r>
+                <a:rPr lang="en-US" altLang="ko-KR" dirty="0" err="1">
                   <a:solidFill>
                     <a:srgbClr val="7F7F7F"/>
                   </a:solidFill>
                   <a:latin typeface="Yoon 윤고딕 520_TT" panose="02090603020101020101" pitchFamily="18" charset="-127"/>
                   <a:ea typeface="Yoon 윤고딕 520_TT" panose="02090603020101020101" pitchFamily="18" charset="-127"/>
                 </a:rPr>
-                <a:t>)</a:t>
+                <a:t>ArrayList</a:t>
               </a:r>
               <a:r>
                 <a:rPr lang="ko-KR" altLang="en-US" dirty="0">
@@ -7333,7 +6742,7 @@
                   <a:latin typeface="Yoon 윤고딕 520_TT" panose="02090603020101020101" pitchFamily="18" charset="-127"/>
                   <a:ea typeface="Yoon 윤고딕 520_TT" panose="02090603020101020101" pitchFamily="18" charset="-127"/>
                 </a:rPr>
-                <a:t>을 이용하여 탐색 후 최적 루트 리턴</a:t>
+                <a:t>를 받음</a:t>
               </a:r>
               <a:endParaRPr lang="en-US" altLang="ko-KR" dirty="0">
                 <a:solidFill>
@@ -7344,19 +6753,107 @@
               </a:endParaRPr>
             </a:p>
             <a:p>
-              <a:pPr lvl="1" fontAlgn="base">
+              <a:pPr marL="742950" lvl="1" indent="-285750" fontAlgn="base">
                 <a:lnSpc>
                   <a:spcPct val="150000"/>
                 </a:lnSpc>
+                <a:buFontTx/>
+                <a:buChar char="-"/>
               </a:pPr>
-              <a:endParaRPr lang="en-US" altLang="ko-KR" dirty="0">
-                <a:solidFill>
-                  <a:srgbClr val="7F7F7F"/>
-                </a:solidFill>
-                <a:latin typeface="Yoon 윤고딕 520_TT" panose="02090603020101020101" pitchFamily="18" charset="-127"/>
-                <a:ea typeface="Yoon 윤고딕 520_TT" panose="02090603020101020101" pitchFamily="18" charset="-127"/>
-              </a:endParaRPr>
+              <a:r>
+                <a:rPr lang="en-US" altLang="ko-KR" dirty="0" err="1">
+                  <a:solidFill>
+                    <a:srgbClr val="7F7F7F"/>
+                  </a:solidFill>
+                  <a:latin typeface="Yoon 윤고딕 520_TT" panose="02090603020101020101" pitchFamily="18" charset="-127"/>
+                  <a:ea typeface="Yoon 윤고딕 520_TT" panose="02090603020101020101" pitchFamily="18" charset="-127"/>
+                </a:rPr>
+                <a:t>getDistance</a:t>
+              </a:r>
+              <a:r>
+                <a:rPr lang="ko-KR" altLang="en-US" dirty="0">
+                  <a:solidFill>
+                    <a:srgbClr val="7F7F7F"/>
+                  </a:solidFill>
+                  <a:latin typeface="Yoon 윤고딕 520_TT" panose="02090603020101020101" pitchFamily="18" charset="-127"/>
+                  <a:ea typeface="Yoon 윤고딕 520_TT" panose="02090603020101020101" pitchFamily="18" charset="-127"/>
+                </a:rPr>
+                <a:t>와 </a:t>
+              </a:r>
+              <a:r>
+                <a:rPr lang="en-US" altLang="ko-KR" dirty="0" err="1">
+                  <a:solidFill>
+                    <a:srgbClr val="7F7F7F"/>
+                  </a:solidFill>
+                  <a:latin typeface="Yoon 윤고딕 520_TT" panose="02090603020101020101" pitchFamily="18" charset="-127"/>
+                  <a:ea typeface="Yoon 윤고딕 520_TT" panose="02090603020101020101" pitchFamily="18" charset="-127"/>
+                </a:rPr>
+                <a:t>findShortestPath</a:t>
+              </a:r>
+              <a:r>
+                <a:rPr lang="ko-KR" altLang="en-US" dirty="0">
+                  <a:solidFill>
+                    <a:srgbClr val="7F7F7F"/>
+                  </a:solidFill>
+                  <a:latin typeface="Yoon 윤고딕 520_TT" panose="02090603020101020101" pitchFamily="18" charset="-127"/>
+                  <a:ea typeface="Yoon 윤고딕 520_TT" panose="02090603020101020101" pitchFamily="18" charset="-127"/>
+                </a:rPr>
+                <a:t>를 호출해 거리를 계산하고</a:t>
+              </a:r>
+              <a:r>
+                <a:rPr lang="en-US" altLang="ko-KR" dirty="0">
+                  <a:solidFill>
+                    <a:srgbClr val="7F7F7F"/>
+                  </a:solidFill>
+                  <a:latin typeface="Yoon 윤고딕 520_TT" panose="02090603020101020101" pitchFamily="18" charset="-127"/>
+                  <a:ea typeface="Yoon 윤고딕 520_TT" panose="02090603020101020101" pitchFamily="18" charset="-127"/>
+                </a:rPr>
+                <a:t>, </a:t>
+              </a:r>
+              <a:r>
+                <a:rPr lang="ko-KR" altLang="en-US" dirty="0">
+                  <a:solidFill>
+                    <a:srgbClr val="7F7F7F"/>
+                  </a:solidFill>
+                  <a:latin typeface="Yoon 윤고딕 520_TT" panose="02090603020101020101" pitchFamily="18" charset="-127"/>
+                  <a:ea typeface="Yoon 윤고딕 520_TT" panose="02090603020101020101" pitchFamily="18" charset="-127"/>
+                </a:rPr>
+                <a:t>최단 경로를 탐색</a:t>
+              </a:r>
+              <a:r>
+                <a:rPr lang="en-US" altLang="ko-KR" dirty="0">
+                  <a:solidFill>
+                    <a:srgbClr val="7F7F7F"/>
+                  </a:solidFill>
+                  <a:latin typeface="Yoon 윤고딕 520_TT" panose="02090603020101020101" pitchFamily="18" charset="-127"/>
+                  <a:ea typeface="Yoon 윤고딕 520_TT" panose="02090603020101020101" pitchFamily="18" charset="-127"/>
+                </a:rPr>
+                <a:t> </a:t>
+              </a:r>
             </a:p>
+          </p:txBody>
+        </p:sp>
+        <p:sp>
+          <p:nvSpPr>
+            <p:cNvPr id="13" name="TextBox 12"/>
+            <p:cNvSpPr txBox="1"/>
+            <p:nvPr/>
+          </p:nvSpPr>
+          <p:spPr>
+            <a:xfrm>
+              <a:off x="1322018" y="3353550"/>
+              <a:ext cx="10044675" cy="1384995"/>
+            </a:xfrm>
+            <a:prstGeom prst="rect">
+              <a:avLst/>
+            </a:prstGeom>
+            <a:grpFill/>
+          </p:spPr>
+          <p:txBody>
+            <a:bodyPr wrap="square" rtlCol="0">
+              <a:spAutoFit/>
+            </a:bodyPr>
+            <a:lstStyle/>
             <a:p>
               <a:pPr marL="342900" lvl="0" indent="-342900" fontAlgn="base">
                 <a:lnSpc>
@@ -7365,7 +6862,336 @@
                 <a:buFont typeface="Wingdings" panose="05000000000000000000" pitchFamily="2" charset="2"/>
                 <a:buChar char="§"/>
               </a:pPr>
-              <a:endParaRPr lang="en-US" altLang="ko-KR" sz="2000" dirty="0">
+              <a:r>
+                <a:rPr lang="en-US" altLang="ko-KR" sz="2000" dirty="0" err="1">
+                  <a:solidFill>
+                    <a:srgbClr val="595959"/>
+                  </a:solidFill>
+                  <a:latin typeface="Yoon 윤고딕 530_TT" panose="02090603020101020101" pitchFamily="18" charset="-127"/>
+                  <a:ea typeface="Yoon 윤고딕 530_TT" panose="02090603020101020101" pitchFamily="18" charset="-127"/>
+                </a:rPr>
+                <a:t>MapPath</a:t>
+              </a:r>
+              <a:r>
+                <a:rPr lang="en-US" altLang="ko-KR" sz="2000" dirty="0">
+                  <a:solidFill>
+                    <a:srgbClr val="595959"/>
+                  </a:solidFill>
+                  <a:latin typeface="Yoon 윤고딕 530_TT" panose="02090603020101020101" pitchFamily="18" charset="-127"/>
+                  <a:ea typeface="Yoon 윤고딕 530_TT" panose="02090603020101020101" pitchFamily="18" charset="-127"/>
+                </a:rPr>
+                <a:t>[][] </a:t>
+              </a:r>
+              <a:r>
+                <a:rPr lang="en-US" altLang="ko-KR" sz="2000" dirty="0" err="1">
+                  <a:solidFill>
+                    <a:srgbClr val="595959"/>
+                  </a:solidFill>
+                  <a:latin typeface="Yoon 윤고딕 530_TT" panose="02090603020101020101" pitchFamily="18" charset="-127"/>
+                  <a:ea typeface="Yoon 윤고딕 530_TT" panose="02090603020101020101" pitchFamily="18" charset="-127"/>
+                </a:rPr>
+                <a:t>getDistance</a:t>
+              </a:r>
+              <a:r>
+                <a:rPr lang="en-US" altLang="ko-KR" sz="2000" dirty="0">
+                  <a:solidFill>
+                    <a:srgbClr val="595959"/>
+                  </a:solidFill>
+                  <a:latin typeface="Yoon 윤고딕 530_TT" panose="02090603020101020101" pitchFamily="18" charset="-127"/>
+                  <a:ea typeface="Yoon 윤고딕 530_TT" panose="02090603020101020101" pitchFamily="18" charset="-127"/>
+                </a:rPr>
+                <a:t>();</a:t>
+              </a:r>
+            </a:p>
+            <a:p>
+              <a:pPr marL="800100" lvl="1" indent="-342900" fontAlgn="base">
+                <a:lnSpc>
+                  <a:spcPct val="150000"/>
+                </a:lnSpc>
+                <a:buFontTx/>
+                <a:buChar char="-"/>
+              </a:pPr>
+              <a:r>
+                <a:rPr lang="ko-KR" altLang="en-US" dirty="0">
+                  <a:solidFill>
+                    <a:srgbClr val="7F7F7F"/>
+                  </a:solidFill>
+                  <a:latin typeface="Yoon 윤고딕 520_TT" panose="02090603020101020101" pitchFamily="18" charset="-127"/>
+                  <a:ea typeface="Yoon 윤고딕 520_TT" panose="02090603020101020101" pitchFamily="18" charset="-127"/>
+                </a:rPr>
+                <a:t>지점과 </a:t>
+              </a:r>
+              <a:r>
+                <a:rPr lang="ko-KR" altLang="en-US" dirty="0" err="1">
+                  <a:solidFill>
+                    <a:srgbClr val="7F7F7F"/>
+                  </a:solidFill>
+                  <a:latin typeface="Yoon 윤고딕 520_TT" panose="02090603020101020101" pitchFamily="18" charset="-127"/>
+                  <a:ea typeface="Yoon 윤고딕 520_TT" panose="02090603020101020101" pitchFamily="18" charset="-127"/>
+                </a:rPr>
+                <a:t>지점간의</a:t>
+              </a:r>
+              <a:r>
+                <a:rPr lang="ko-KR" altLang="en-US" dirty="0">
+                  <a:solidFill>
+                    <a:srgbClr val="7F7F7F"/>
+                  </a:solidFill>
+                  <a:latin typeface="Yoon 윤고딕 520_TT" panose="02090603020101020101" pitchFamily="18" charset="-127"/>
+                  <a:ea typeface="Yoon 윤고딕 520_TT" panose="02090603020101020101" pitchFamily="18" charset="-127"/>
+                </a:rPr>
+                <a:t> 거리를 저장한 </a:t>
+              </a:r>
+              <a:r>
+                <a:rPr lang="en-US" altLang="ko-KR" dirty="0" err="1">
+                  <a:solidFill>
+                    <a:srgbClr val="7F7F7F"/>
+                  </a:solidFill>
+                  <a:latin typeface="Yoon 윤고딕 520_TT" panose="02090603020101020101" pitchFamily="18" charset="-127"/>
+                  <a:ea typeface="Yoon 윤고딕 520_TT" panose="02090603020101020101" pitchFamily="18" charset="-127"/>
+                </a:rPr>
+                <a:t>MapPath</a:t>
+              </a:r>
+              <a:r>
+                <a:rPr lang="en-US" altLang="ko-KR" dirty="0">
+                  <a:solidFill>
+                    <a:srgbClr val="7F7F7F"/>
+                  </a:solidFill>
+                  <a:latin typeface="Yoon 윤고딕 520_TT" panose="02090603020101020101" pitchFamily="18" charset="-127"/>
+                  <a:ea typeface="Yoon 윤고딕 520_TT" panose="02090603020101020101" pitchFamily="18" charset="-127"/>
+                </a:rPr>
+                <a:t> </a:t>
+              </a:r>
+              <a:r>
+                <a:rPr lang="ko-KR" altLang="en-US" dirty="0">
+                  <a:solidFill>
+                    <a:srgbClr val="7F7F7F"/>
+                  </a:solidFill>
+                  <a:latin typeface="Yoon 윤고딕 520_TT" panose="02090603020101020101" pitchFamily="18" charset="-127"/>
+                  <a:ea typeface="Yoon 윤고딕 520_TT" panose="02090603020101020101" pitchFamily="18" charset="-127"/>
+                </a:rPr>
+                <a:t>객체의 배열을 반환</a:t>
+              </a:r>
+              <a:endParaRPr lang="en-US" altLang="ko-KR" dirty="0">
+                <a:solidFill>
+                  <a:srgbClr val="7F7F7F"/>
+                </a:solidFill>
+                <a:latin typeface="Yoon 윤고딕 520_TT" panose="02090603020101020101" pitchFamily="18" charset="-127"/>
+                <a:ea typeface="Yoon 윤고딕 520_TT" panose="02090603020101020101" pitchFamily="18" charset="-127"/>
+              </a:endParaRPr>
+            </a:p>
+            <a:p>
+              <a:pPr marL="800100" lvl="1" indent="-342900" fontAlgn="base">
+                <a:lnSpc>
+                  <a:spcPct val="150000"/>
+                </a:lnSpc>
+                <a:buFontTx/>
+                <a:buChar char="-"/>
+              </a:pPr>
+              <a:r>
+                <a:rPr lang="ko-KR" altLang="en-US" dirty="0">
+                  <a:solidFill>
+                    <a:srgbClr val="7F7F7F"/>
+                  </a:solidFill>
+                  <a:latin typeface="Yoon 윤고딕 520_TT" panose="02090603020101020101" pitchFamily="18" charset="-127"/>
+                  <a:ea typeface="Yoon 윤고딕 520_TT" panose="02090603020101020101" pitchFamily="18" charset="-127"/>
+                </a:rPr>
+                <a:t>직선거리가 </a:t>
+              </a:r>
+              <a:r>
+                <a:rPr lang="en-US" altLang="ko-KR" dirty="0">
+                  <a:solidFill>
+                    <a:srgbClr val="7F7F7F"/>
+                  </a:solidFill>
+                  <a:latin typeface="Yoon 윤고딕 520_TT" panose="02090603020101020101" pitchFamily="18" charset="-127"/>
+                  <a:ea typeface="Yoon 윤고딕 520_TT" panose="02090603020101020101" pitchFamily="18" charset="-127"/>
+                </a:rPr>
+                <a:t>800m </a:t>
+              </a:r>
+              <a:r>
+                <a:rPr lang="ko-KR" altLang="en-US" dirty="0">
+                  <a:solidFill>
+                    <a:srgbClr val="7F7F7F"/>
+                  </a:solidFill>
+                  <a:latin typeface="Yoon 윤고딕 520_TT" panose="02090603020101020101" pitchFamily="18" charset="-127"/>
+                  <a:ea typeface="Yoon 윤고딕 520_TT" panose="02090603020101020101" pitchFamily="18" charset="-127"/>
+                </a:rPr>
+                <a:t>이내일 경우 도보</a:t>
+              </a:r>
+              <a:r>
+                <a:rPr lang="en-US" altLang="ko-KR" dirty="0">
+                  <a:solidFill>
+                    <a:srgbClr val="7F7F7F"/>
+                  </a:solidFill>
+                  <a:latin typeface="Yoon 윤고딕 520_TT" panose="02090603020101020101" pitchFamily="18" charset="-127"/>
+                  <a:ea typeface="Yoon 윤고딕 520_TT" panose="02090603020101020101" pitchFamily="18" charset="-127"/>
+                </a:rPr>
+                <a:t>, </a:t>
+              </a:r>
+              <a:r>
+                <a:rPr lang="ko-KR" altLang="en-US" dirty="0">
+                  <a:solidFill>
+                    <a:srgbClr val="7F7F7F"/>
+                  </a:solidFill>
+                  <a:latin typeface="Yoon 윤고딕 520_TT" panose="02090603020101020101" pitchFamily="18" charset="-127"/>
+                  <a:ea typeface="Yoon 윤고딕 520_TT" panose="02090603020101020101" pitchFamily="18" charset="-127"/>
+                </a:rPr>
+                <a:t>이외에는 자동차 주행 거리 저장</a:t>
+              </a:r>
+              <a:endParaRPr lang="en-US" altLang="ko-KR" dirty="0">
+                <a:solidFill>
+                  <a:srgbClr val="7F7F7F"/>
+                </a:solidFill>
+                <a:latin typeface="Yoon 윤고딕 520_TT" panose="02090603020101020101" pitchFamily="18" charset="-127"/>
+                <a:ea typeface="Yoon 윤고딕 520_TT" panose="02090603020101020101" pitchFamily="18" charset="-127"/>
+              </a:endParaRPr>
+            </a:p>
+          </p:txBody>
+        </p:sp>
+        <p:sp>
+          <p:nvSpPr>
+            <p:cNvPr id="14" name="TextBox 13"/>
+            <p:cNvSpPr txBox="1"/>
+            <p:nvPr/>
+          </p:nvSpPr>
+          <p:spPr>
+            <a:xfrm>
+              <a:off x="1322019" y="4721123"/>
+              <a:ext cx="10044675" cy="1350370"/>
+            </a:xfrm>
+            <a:prstGeom prst="rect">
+              <a:avLst/>
+            </a:prstGeom>
+            <a:grpFill/>
+          </p:spPr>
+          <p:txBody>
+            <a:bodyPr wrap="square" rtlCol="0">
+              <a:spAutoFit/>
+            </a:bodyPr>
+            <a:lstStyle/>
+            <a:p>
+              <a:pPr marL="342900" lvl="0" indent="-342900" fontAlgn="base">
+                <a:lnSpc>
+                  <a:spcPct val="150000"/>
+                </a:lnSpc>
+                <a:buFont typeface="Wingdings" panose="05000000000000000000" pitchFamily="2" charset="2"/>
+                <a:buChar char="§"/>
+              </a:pPr>
+              <a:r>
+                <a:rPr lang="en-US" altLang="ko-KR" sz="2000" dirty="0" err="1">
+                  <a:solidFill>
+                    <a:srgbClr val="595959"/>
+                  </a:solidFill>
+                  <a:latin typeface="Yoon 윤고딕 530_TT" panose="02090603020101020101" pitchFamily="18" charset="-127"/>
+                  <a:ea typeface="Yoon 윤고딕 530_TT" panose="02090603020101020101" pitchFamily="18" charset="-127"/>
+                </a:rPr>
+                <a:t>ArrayList</a:t>
+              </a:r>
+              <a:r>
+                <a:rPr lang="en-US" altLang="ko-KR" sz="2000" dirty="0">
+                  <a:solidFill>
+                    <a:srgbClr val="595959"/>
+                  </a:solidFill>
+                  <a:latin typeface="Yoon 윤고딕 530_TT" panose="02090603020101020101" pitchFamily="18" charset="-127"/>
+                  <a:ea typeface="Yoon 윤고딕 530_TT" panose="02090603020101020101" pitchFamily="18" charset="-127"/>
+                </a:rPr>
+                <a:t>&lt;MapPoint&gt; </a:t>
+              </a:r>
+              <a:r>
+                <a:rPr lang="en-US" altLang="ko-KR" sz="2000" dirty="0" err="1">
+                  <a:solidFill>
+                    <a:srgbClr val="595959"/>
+                  </a:solidFill>
+                  <a:latin typeface="Yoon 윤고딕 530_TT" panose="02090603020101020101" pitchFamily="18" charset="-127"/>
+                  <a:ea typeface="Yoon 윤고딕 530_TT" panose="02090603020101020101" pitchFamily="18" charset="-127"/>
+                </a:rPr>
+                <a:t>findShortestPath</a:t>
+              </a:r>
+              <a:r>
+                <a:rPr lang="en-US" altLang="ko-KR" sz="2000" dirty="0">
+                  <a:solidFill>
+                    <a:srgbClr val="595959"/>
+                  </a:solidFill>
+                  <a:latin typeface="Yoon 윤고딕 530_TT" panose="02090603020101020101" pitchFamily="18" charset="-127"/>
+                  <a:ea typeface="Yoon 윤고딕 530_TT" panose="02090603020101020101" pitchFamily="18" charset="-127"/>
+                </a:rPr>
+                <a:t> ()</a:t>
+              </a:r>
+            </a:p>
+            <a:p>
+              <a:pPr marL="742950" lvl="1" indent="-285750" fontAlgn="base">
+                <a:lnSpc>
+                  <a:spcPct val="150000"/>
+                </a:lnSpc>
+                <a:buFontTx/>
+                <a:buChar char="-"/>
+              </a:pPr>
+              <a:r>
+                <a:rPr lang="ko-KR" altLang="en-US" dirty="0" err="1">
+                  <a:solidFill>
+                    <a:srgbClr val="7F7F7F"/>
+                  </a:solidFill>
+                  <a:latin typeface="Yoon 윤고딕 520_TT" panose="02090603020101020101" pitchFamily="18" charset="-127"/>
+                  <a:ea typeface="Yoon 윤고딕 520_TT" panose="02090603020101020101" pitchFamily="18" charset="-127"/>
+                </a:rPr>
+                <a:t>다익스트라</a:t>
+              </a:r>
+              <a:r>
+                <a:rPr lang="ko-KR" altLang="en-US" dirty="0">
+                  <a:solidFill>
+                    <a:srgbClr val="7F7F7F"/>
+                  </a:solidFill>
+                  <a:latin typeface="Yoon 윤고딕 520_TT" panose="02090603020101020101" pitchFamily="18" charset="-127"/>
+                  <a:ea typeface="Yoon 윤고딕 520_TT" panose="02090603020101020101" pitchFamily="18" charset="-127"/>
+                </a:rPr>
+                <a:t> 알고리즘을 기반으로 한 최단 경로 탐색</a:t>
+              </a:r>
+              <a:endParaRPr lang="en-US" altLang="ko-KR" dirty="0">
+                <a:solidFill>
+                  <a:srgbClr val="7F7F7F"/>
+                </a:solidFill>
+                <a:latin typeface="Yoon 윤고딕 520_TT" panose="02090603020101020101" pitchFamily="18" charset="-127"/>
+                <a:ea typeface="Yoon 윤고딕 520_TT" panose="02090603020101020101" pitchFamily="18" charset="-127"/>
+              </a:endParaRPr>
+            </a:p>
+            <a:p>
+              <a:pPr marL="742950" lvl="1" indent="-285750" fontAlgn="base">
+                <a:lnSpc>
+                  <a:spcPct val="150000"/>
+                </a:lnSpc>
+                <a:buFontTx/>
+                <a:buChar char="-"/>
+              </a:pPr>
+              <a:r>
+                <a:rPr lang="ko-KR" altLang="en-US" dirty="0">
+                  <a:solidFill>
+                    <a:srgbClr val="7F7F7F"/>
+                  </a:solidFill>
+                  <a:latin typeface="Yoon 윤고딕 520_TT" panose="02090603020101020101" pitchFamily="18" charset="-127"/>
+                  <a:ea typeface="Yoon 윤고딕 520_TT" panose="02090603020101020101" pitchFamily="18" charset="-127"/>
+                </a:rPr>
+                <a:t>최단 경로 탐색 후 최적 경로의 </a:t>
+              </a:r>
+              <a:r>
+                <a:rPr lang="en-US" altLang="ko-KR" dirty="0" err="1">
+                  <a:solidFill>
+                    <a:srgbClr val="7F7F7F"/>
+                  </a:solidFill>
+                  <a:latin typeface="Yoon 윤고딕 520_TT" panose="02090603020101020101" pitchFamily="18" charset="-127"/>
+                  <a:ea typeface="Yoon 윤고딕 520_TT" panose="02090603020101020101" pitchFamily="18" charset="-127"/>
+                </a:rPr>
+                <a:t>ArrayList</a:t>
+              </a:r>
+              <a:r>
+                <a:rPr lang="ko-KR" altLang="en-US" dirty="0">
+                  <a:solidFill>
+                    <a:srgbClr val="7F7F7F"/>
+                  </a:solidFill>
+                  <a:latin typeface="Yoon 윤고딕 520_TT" panose="02090603020101020101" pitchFamily="18" charset="-127"/>
+                  <a:ea typeface="Yoon 윤고딕 520_TT" panose="02090603020101020101" pitchFamily="18" charset="-127"/>
+                </a:rPr>
+                <a:t>를 반환</a:t>
+              </a:r>
+              <a:endParaRPr lang="en-US" altLang="ko-KR" dirty="0">
                 <a:solidFill>
                   <a:srgbClr val="7F7F7F"/>
                 </a:solidFill>
@@ -7376,187 +7202,10 @@
           </p:txBody>
         </p:sp>
       </p:grpSp>
-      <p:sp>
-        <p:nvSpPr>
-          <p:cNvPr id="2" name="TextBox 1"/>
-          <p:cNvSpPr txBox="1"/>
-          <p:nvPr/>
-        </p:nvSpPr>
-        <p:spPr>
-          <a:xfrm>
-            <a:off x="262942" y="768412"/>
-            <a:ext cx="3916521" cy="646331"/>
-          </a:xfrm>
-          <a:prstGeom prst="rect">
-            <a:avLst/>
-          </a:prstGeom>
-          <a:grpFill/>
-        </p:spPr>
-        <p:txBody>
-          <a:bodyPr wrap="none" rtlCol="0">
-            <a:spAutoFit/>
-          </a:bodyPr>
-          <a:lstStyle/>
-          <a:p>
-            <a:r>
-              <a:rPr lang="en-US" altLang="ko-KR" sz="3600" spc="-150" dirty="0">
-                <a:solidFill>
-                  <a:srgbClr val="595959"/>
-                </a:solidFill>
-                <a:latin typeface="Yoon 윤고딕 550_TT" panose="02090603020101020101" pitchFamily="18" charset="-127"/>
-                <a:ea typeface="Yoon 윤고딕 550_TT" panose="02090603020101020101" pitchFamily="18" charset="-127"/>
-              </a:rPr>
-              <a:t>Tour Route Manager</a:t>
-            </a:r>
-            <a:endParaRPr lang="ko-KR" altLang="en-US" sz="3600" spc="-150" dirty="0">
-              <a:solidFill>
-                <a:srgbClr val="595959"/>
-              </a:solidFill>
-              <a:latin typeface="Yoon 윤고딕 550_TT" panose="02090603020101020101" pitchFamily="18" charset="-127"/>
-              <a:ea typeface="Yoon 윤고딕 550_TT" panose="02090603020101020101" pitchFamily="18" charset="-127"/>
-            </a:endParaRPr>
-          </a:p>
-        </p:txBody>
-      </p:sp>
-      <p:grpSp>
-        <p:nvGrpSpPr>
-          <p:cNvPr id="25" name="그룹 24"/>
-          <p:cNvGrpSpPr/>
-          <p:nvPr/>
-        </p:nvGrpSpPr>
-        <p:grpSpPr>
-          <a:xfrm>
-            <a:off x="309489" y="62024"/>
-            <a:ext cx="11633982" cy="523220"/>
-            <a:chOff x="309489" y="301178"/>
-            <a:chExt cx="11633982" cy="523220"/>
-          </a:xfrm>
-        </p:grpSpPr>
-        <p:cxnSp>
-          <p:nvCxnSpPr>
-            <p:cNvPr id="26" name="직선 연결선 25"/>
-            <p:cNvCxnSpPr/>
-            <p:nvPr/>
-          </p:nvCxnSpPr>
-          <p:spPr>
-            <a:xfrm>
-              <a:off x="309489" y="562788"/>
-              <a:ext cx="11633982" cy="1"/>
-            </a:xfrm>
-            <a:prstGeom prst="line">
-              <a:avLst/>
-            </a:prstGeom>
-            <a:noFill/>
-            <a:ln w="50800">
-              <a:solidFill>
-                <a:srgbClr val="003B60"/>
-              </a:solidFill>
-            </a:ln>
-          </p:spPr>
-          <p:style>
-            <a:lnRef idx="1">
-              <a:schemeClr val="accent1"/>
-            </a:lnRef>
-            <a:fillRef idx="0">
-              <a:schemeClr val="accent1"/>
-            </a:fillRef>
-            <a:effectRef idx="0">
-              <a:schemeClr val="accent1"/>
-            </a:effectRef>
-            <a:fontRef idx="minor">
-              <a:schemeClr val="tx1"/>
-            </a:fontRef>
-          </p:style>
-        </p:cxnSp>
-        <p:sp>
-          <p:nvSpPr>
-            <p:cNvPr id="27" name="TextBox 26"/>
-            <p:cNvSpPr txBox="1"/>
-            <p:nvPr/>
-          </p:nvSpPr>
-          <p:spPr>
-            <a:xfrm>
-              <a:off x="714469" y="301178"/>
-              <a:ext cx="3013469" cy="523220"/>
-            </a:xfrm>
-            <a:prstGeom prst="rect">
-              <a:avLst/>
-            </a:prstGeom>
-            <a:solidFill>
-              <a:srgbClr val="F2F2F2"/>
-            </a:solidFill>
-          </p:spPr>
-          <p:txBody>
-            <a:bodyPr wrap="square" rtlCol="0">
-              <a:spAutoFit/>
-            </a:bodyPr>
-            <a:lstStyle/>
-            <a:p>
-              <a:pPr algn="ctr"/>
-              <a:r>
-                <a:rPr lang="ko-KR" altLang="en-US" sz="2800" spc="-300" dirty="0">
-                  <a:solidFill>
-                    <a:schemeClr val="tx1">
-                      <a:lumMod val="50000"/>
-                      <a:lumOff val="50000"/>
-                    </a:schemeClr>
-                  </a:solidFill>
-                  <a:latin typeface="Yoon 윤고딕 520_TT" panose="02090603020101020101" pitchFamily="18" charset="-127"/>
-                  <a:ea typeface="Yoon 윤고딕 520_TT" panose="02090603020101020101" pitchFamily="18" charset="-127"/>
-                </a:rPr>
-                <a:t>시스템 모듈 상세 설계</a:t>
-              </a:r>
-              <a:endParaRPr lang="ko-KR" altLang="en-US" sz="2800" spc="-300" dirty="0">
-                <a:solidFill>
-                  <a:schemeClr val="bg1"/>
-                </a:solidFill>
-                <a:latin typeface="Yoon 윤고딕 520_TT" panose="02090603020101020101" pitchFamily="18" charset="-127"/>
-                <a:ea typeface="Yoon 윤고딕 520_TT" panose="02090603020101020101" pitchFamily="18" charset="-127"/>
-              </a:endParaRPr>
-            </a:p>
-          </p:txBody>
-        </p:sp>
-      </p:grpSp>
-      <p:cxnSp>
-        <p:nvCxnSpPr>
-          <p:cNvPr id="28" name="직선 연결선 27"/>
-          <p:cNvCxnSpPr/>
-          <p:nvPr/>
-        </p:nvCxnSpPr>
-        <p:spPr>
-          <a:xfrm>
-            <a:off x="309489" y="6626431"/>
-            <a:ext cx="11633982" cy="1"/>
-          </a:xfrm>
-          <a:prstGeom prst="line">
-            <a:avLst/>
-          </a:prstGeom>
-          <a:noFill/>
-          <a:ln w="50800">
-            <a:solidFill>
-              <a:srgbClr val="003B60"/>
-            </a:solidFill>
-          </a:ln>
-        </p:spPr>
-        <p:style>
-          <a:lnRef idx="1">
-            <a:schemeClr val="accent1"/>
-          </a:lnRef>
-          <a:fillRef idx="0">
-            <a:schemeClr val="accent1"/>
-          </a:fillRef>
-          <a:effectRef idx="0">
-            <a:schemeClr val="accent1"/>
-          </a:effectRef>
-          <a:fontRef idx="minor">
-            <a:schemeClr val="tx1"/>
-          </a:fontRef>
-        </p:style>
-      </p:cxnSp>
     </p:spTree>
     <p:extLst>
       <p:ext uri="{BB962C8B-B14F-4D97-AF65-F5344CB8AC3E}">
-        <p14:creationId xmlns:p14="http://schemas.microsoft.com/office/powerpoint/2010/main" val="2138822036"/>
+        <p14:creationId xmlns:p14="http://schemas.microsoft.com/office/powerpoint/2010/main" val="4259226414"/>
       </p:ext>
     </p:extLst>
   </p:cSld>
@@ -7566,7 +7215,7 @@
 </p:sld>
 </file>
 
-<file path=ppt/slides/slide14.xml><?xml version="1.0" encoding="utf-8"?>
+<file path=ppt/slides/slide13.xml><?xml version="1.0" encoding="utf-8"?>
 <p:sld xmlns:a="http://schemas.openxmlformats.org/drawingml/2006/main" xmlns:r="http://schemas.openxmlformats.org/officeDocument/2006/relationships" xmlns:p="http://schemas.openxmlformats.org/presentationml/2006/main">
   <p:cSld>
     <p:spTree>
@@ -8794,7 +8443,7 @@
 </p:sld>
 </file>
 
-<file path=ppt/slides/slide15.xml><?xml version="1.0" encoding="utf-8"?>
+<file path=ppt/slides/slide14.xml><?xml version="1.0" encoding="utf-8"?>
 <p:sld xmlns:a="http://schemas.openxmlformats.org/drawingml/2006/main" xmlns:r="http://schemas.openxmlformats.org/officeDocument/2006/relationships" xmlns:p="http://schemas.openxmlformats.org/presentationml/2006/main">
   <p:cSld>
     <p:spTree>
@@ -9664,7 +9313,7 @@
 </p:sld>
 </file>
 
-<file path=ppt/slides/slide16.xml><?xml version="1.0" encoding="utf-8"?>
+<file path=ppt/slides/slide15.xml><?xml version="1.0" encoding="utf-8"?>
 <p:sld xmlns:a="http://schemas.openxmlformats.org/drawingml/2006/main" xmlns:r="http://schemas.openxmlformats.org/officeDocument/2006/relationships" xmlns:p="http://schemas.openxmlformats.org/presentationml/2006/main">
   <p:cSld>
     <p:spTree>
@@ -10514,7 +10163,7 @@
 </p:sld>
 </file>
 
-<file path=ppt/slides/slide17.xml><?xml version="1.0" encoding="utf-8"?>
+<file path=ppt/slides/slide16.xml><?xml version="1.0" encoding="utf-8"?>
 <p:sld xmlns:a="http://schemas.openxmlformats.org/drawingml/2006/main" xmlns:r="http://schemas.openxmlformats.org/officeDocument/2006/relationships" xmlns:p="http://schemas.openxmlformats.org/presentationml/2006/main">
   <p:cSld>
     <p:spTree>
@@ -11389,8 +11038,8 @@
         </p:nvSpPr>
         <p:spPr>
           <a:xfrm>
-            <a:off x="605518" y="1479415"/>
-            <a:ext cx="1024640" cy="461665"/>
+            <a:off x="704904" y="1479415"/>
+            <a:ext cx="825867" cy="461665"/>
           </a:xfrm>
           <a:prstGeom prst="rect">
             <a:avLst/>
@@ -11415,7 +11064,7 @@
                 <a:latin typeface="Yoon 윤고딕 550_TT" panose="02090603020101020101" pitchFamily="18" charset="-127"/>
                 <a:ea typeface="Yoon 윤고딕 550_TT" panose="02090603020101020101" pitchFamily="18" charset="-127"/>
               </a:rPr>
-              <a:t>Main()</a:t>
+              <a:t>Main</a:t>
             </a:r>
             <a:endParaRPr lang="ko-KR" altLang="en-US" sz="2400" dirty="0">
               <a:solidFill>
@@ -12018,8 +11667,8 @@
         </p:nvSpPr>
         <p:spPr>
           <a:xfrm>
-            <a:off x="4693459" y="1479415"/>
-            <a:ext cx="1436612" cy="461665"/>
+            <a:off x="4792845" y="1479415"/>
+            <a:ext cx="1237838" cy="461665"/>
           </a:xfrm>
           <a:prstGeom prst="rect">
             <a:avLst/>
@@ -12045,19 +11694,6 @@
                 <a:ea typeface="Yoon 윤고딕 550_TT" panose="02090603020101020101" pitchFamily="18" charset="-127"/>
               </a:rPr>
               <a:t>ApiJson</a:t>
-            </a:r>
-            <a:r>
-              <a:rPr lang="en-US" altLang="ko-KR" sz="2400" dirty="0">
-                <a:solidFill>
-                  <a:schemeClr val="tx1">
-                    <a:lumMod val="50000"/>
-                    <a:lumOff val="50000"/>
-                  </a:schemeClr>
-                </a:solidFill>
-                <a:latin typeface="Yoon 윤고딕 550_TT" panose="02090603020101020101" pitchFamily="18" charset="-127"/>
-                <a:ea typeface="Yoon 윤고딕 550_TT" panose="02090603020101020101" pitchFamily="18" charset="-127"/>
-              </a:rPr>
-              <a:t>()</a:t>
             </a:r>
             <a:endParaRPr lang="ko-KR" altLang="en-US" sz="2400" dirty="0">
               <a:solidFill>
@@ -12422,8 +12058,8 @@
         </p:nvSpPr>
         <p:spPr>
           <a:xfrm>
-            <a:off x="9236050" y="1479415"/>
-            <a:ext cx="1364477" cy="461665"/>
+            <a:off x="9335436" y="1479415"/>
+            <a:ext cx="1165704" cy="461665"/>
           </a:xfrm>
           <a:prstGeom prst="rect">
             <a:avLst/>
@@ -12449,19 +12085,6 @@
                 <a:ea typeface="Yoon 윤고딕 550_TT" panose="02090603020101020101" pitchFamily="18" charset="-127"/>
               </a:rPr>
               <a:t>readUrl</a:t>
-            </a:r>
-            <a:r>
-              <a:rPr lang="en-US" altLang="ko-KR" sz="2400" dirty="0">
-                <a:solidFill>
-                  <a:schemeClr val="tx1">
-                    <a:lumMod val="50000"/>
-                    <a:lumOff val="50000"/>
-                  </a:schemeClr>
-                </a:solidFill>
-                <a:latin typeface="Yoon 윤고딕 550_TT" panose="02090603020101020101" pitchFamily="18" charset="-127"/>
-                <a:ea typeface="Yoon 윤고딕 550_TT" panose="02090603020101020101" pitchFamily="18" charset="-127"/>
-              </a:rPr>
-              <a:t>()</a:t>
             </a:r>
             <a:endParaRPr lang="ko-KR" altLang="en-US" sz="2400" dirty="0">
               <a:solidFill>
@@ -12489,7 +12112,7 @@
 </p:sld>
 </file>
 
-<file path=ppt/slides/slide18.xml><?xml version="1.0" encoding="utf-8"?>
+<file path=ppt/slides/slide17.xml><?xml version="1.0" encoding="utf-8"?>
 <p:sld xmlns:a="http://schemas.openxmlformats.org/drawingml/2006/main" xmlns:r="http://schemas.openxmlformats.org/officeDocument/2006/relationships" xmlns:p="http://schemas.openxmlformats.org/presentationml/2006/main">
   <p:cSld>
     <p:spTree>
@@ -13231,7 +12854,7 @@
 </p:sld>
 </file>
 
-<file path=ppt/slides/slide19.xml><?xml version="1.0" encoding="utf-8"?>
+<file path=ppt/slides/slide18.xml><?xml version="1.0" encoding="utf-8"?>
 <p:sld xmlns:a="http://schemas.openxmlformats.org/drawingml/2006/main" xmlns:r="http://schemas.openxmlformats.org/officeDocument/2006/relationships" xmlns:p="http://schemas.openxmlformats.org/presentationml/2006/main">
   <p:cSld>
     <p:spTree>
@@ -15436,861 +15059,7 @@
 </p:sld>
 </file>
 
-<file path=ppt/slides/slide2.xml><?xml version="1.0" encoding="utf-8"?>
-<p:sld xmlns:a="http://schemas.openxmlformats.org/drawingml/2006/main" xmlns:r="http://schemas.openxmlformats.org/officeDocument/2006/relationships" xmlns:p="http://schemas.openxmlformats.org/presentationml/2006/main">
-  <p:cSld>
-    <p:spTree>
-      <p:nvGrpSpPr>
-        <p:cNvPr id="1" name=""/>
-        <p:cNvGrpSpPr/>
-        <p:nvPr/>
-      </p:nvGrpSpPr>
-      <p:grpSpPr>
-        <a:xfrm>
-          <a:off x="0" y="0"/>
-          <a:ext cx="0" cy="0"/>
-          <a:chOff x="0" y="0"/>
-          <a:chExt cx="0" cy="0"/>
-        </a:xfrm>
-      </p:grpSpPr>
-      <p:pic>
-        <p:nvPicPr>
-          <p:cNvPr id="6" name="그림 5"/>
-          <p:cNvPicPr>
-            <a:picLocks noChangeAspect="1"/>
-          </p:cNvPicPr>
-          <p:nvPr/>
-        </p:nvPicPr>
-        <p:blipFill rotWithShape="1">
-          <a:blip r:embed="rId2">
-            <a:extLst>
-              <a:ext uri="{28A0092B-C50C-407E-A947-70E740481C1C}">
-                <a14:useLocalDpi xmlns:a14="http://schemas.microsoft.com/office/drawing/2010/main" val="0"/>
-              </a:ext>
-            </a:extLst>
-          </a:blip>
-          <a:srcRect b="15625"/>
-          <a:stretch/>
-        </p:blipFill>
-        <p:spPr>
-          <a:xfrm>
-            <a:off x="0" y="0"/>
-            <a:ext cx="12192000" cy="6858000"/>
-          </a:xfrm>
-          <a:prstGeom prst="rect">
-            <a:avLst/>
-          </a:prstGeom>
-        </p:spPr>
-      </p:pic>
-      <p:sp>
-        <p:nvSpPr>
-          <p:cNvPr id="13" name="직사각형 12"/>
-          <p:cNvSpPr/>
-          <p:nvPr/>
-        </p:nvSpPr>
-        <p:spPr>
-          <a:xfrm>
-            <a:off x="0" y="0"/>
-            <a:ext cx="12192000" cy="6858000"/>
-          </a:xfrm>
-          <a:prstGeom prst="rect">
-            <a:avLst/>
-          </a:prstGeom>
-          <a:solidFill>
-            <a:srgbClr val="001A2A">
-              <a:alpha val="56000"/>
-            </a:srgbClr>
-          </a:solidFill>
-          <a:ln>
-            <a:noFill/>
-          </a:ln>
-        </p:spPr>
-        <p:style>
-          <a:lnRef idx="2">
-            <a:schemeClr val="accent1">
-              <a:shade val="50000"/>
-            </a:schemeClr>
-          </a:lnRef>
-          <a:fillRef idx="1">
-            <a:schemeClr val="accent1"/>
-          </a:fillRef>
-          <a:effectRef idx="0">
-            <a:schemeClr val="accent1"/>
-          </a:effectRef>
-          <a:fontRef idx="minor">
-            <a:schemeClr val="lt1"/>
-          </a:fontRef>
-        </p:style>
-        <p:txBody>
-          <a:bodyPr rot="0" spcFirstLastPara="0" vertOverflow="overflow" horzOverflow="overflow" vert="horz" wrap="square" lIns="91440" tIns="45720" rIns="91440" bIns="45720" numCol="1" spcCol="0" rtlCol="0" fromWordArt="0" anchor="ctr" anchorCtr="0" forceAA="0" compatLnSpc="1">
-            <a:prstTxWarp prst="textNoShape">
-              <a:avLst/>
-            </a:prstTxWarp>
-            <a:noAutofit/>
-          </a:bodyPr>
-          <a:lstStyle/>
-          <a:p>
-            <a:pPr algn="ctr"/>
-            <a:endParaRPr lang="ko-KR" altLang="en-US" sz="3600" spc="-300" dirty="0">
-              <a:solidFill>
-                <a:schemeClr val="bg1"/>
-              </a:solidFill>
-              <a:latin typeface="Yoon 윤고딕 530_TT" panose="02090603020101020101" pitchFamily="18" charset="-127"/>
-              <a:ea typeface="Yoon 윤고딕 530_TT" panose="02090603020101020101" pitchFamily="18" charset="-127"/>
-            </a:endParaRPr>
-          </a:p>
-        </p:txBody>
-      </p:sp>
-      <p:sp>
-        <p:nvSpPr>
-          <p:cNvPr id="7" name="직사각형 6"/>
-          <p:cNvSpPr/>
-          <p:nvPr/>
-        </p:nvSpPr>
-        <p:spPr>
-          <a:xfrm>
-            <a:off x="3937819" y="0"/>
-            <a:ext cx="8254181" cy="6858000"/>
-          </a:xfrm>
-          <a:prstGeom prst="rect">
-            <a:avLst/>
-          </a:prstGeom>
-          <a:solidFill>
-            <a:schemeClr val="tx1">
-              <a:alpha val="35000"/>
-            </a:schemeClr>
-          </a:solidFill>
-          <a:ln>
-            <a:noFill/>
-          </a:ln>
-        </p:spPr>
-        <p:style>
-          <a:lnRef idx="2">
-            <a:schemeClr val="accent1">
-              <a:shade val="50000"/>
-            </a:schemeClr>
-          </a:lnRef>
-          <a:fillRef idx="1">
-            <a:schemeClr val="accent1"/>
-          </a:fillRef>
-          <a:effectRef idx="0">
-            <a:schemeClr val="accent1"/>
-          </a:effectRef>
-          <a:fontRef idx="minor">
-            <a:schemeClr val="lt1"/>
-          </a:fontRef>
-        </p:style>
-        <p:txBody>
-          <a:bodyPr rot="0" spcFirstLastPara="0" vertOverflow="overflow" horzOverflow="overflow" vert="horz" wrap="square" lIns="91440" tIns="45720" rIns="91440" bIns="45720" numCol="1" spcCol="0" rtlCol="0" fromWordArt="0" anchor="ctr" anchorCtr="0" forceAA="0" compatLnSpc="1">
-            <a:prstTxWarp prst="textNoShape">
-              <a:avLst/>
-            </a:prstTxWarp>
-            <a:noAutofit/>
-          </a:bodyPr>
-          <a:lstStyle/>
-          <a:p>
-            <a:r>
-              <a:rPr lang="en-US" altLang="ko-KR" sz="2000" dirty="0">
-                <a:solidFill>
-                  <a:schemeClr val="bg1"/>
-                </a:solidFill>
-                <a:latin typeface="Yoon 윤고딕 550_TT" panose="02090603020101020101" pitchFamily="18" charset="-127"/>
-                <a:ea typeface="Yoon 윤고딕 550_TT" panose="02090603020101020101" pitchFamily="18" charset="-127"/>
-              </a:rPr>
-              <a:t>	</a:t>
-            </a:r>
-            <a:r>
-              <a:rPr lang="en-US" altLang="ko-KR" sz="2000" dirty="0">
-                <a:solidFill>
-                  <a:srgbClr val="91CCF1"/>
-                </a:solidFill>
-                <a:latin typeface="Yoon 윤고딕 550_TT" panose="02090603020101020101" pitchFamily="18" charset="-127"/>
-                <a:ea typeface="Yoon 윤고딕 550_TT" panose="02090603020101020101" pitchFamily="18" charset="-127"/>
-              </a:rPr>
-              <a:t>001</a:t>
-            </a:r>
-            <a:r>
-              <a:rPr lang="en-US" altLang="ko-KR" sz="2000" dirty="0">
-                <a:solidFill>
-                  <a:srgbClr val="91CCF1"/>
-                </a:solidFill>
-                <a:latin typeface="Yoon 윤고딕 530_TT" panose="02090603020101020101" pitchFamily="18" charset="-127"/>
-                <a:ea typeface="Yoon 윤고딕 530_TT" panose="02090603020101020101" pitchFamily="18" charset="-127"/>
-              </a:rPr>
-              <a:t> </a:t>
-            </a:r>
-            <a:r>
-              <a:rPr lang="en-US" altLang="ko-KR" sz="2000" dirty="0">
-                <a:solidFill>
-                  <a:schemeClr val="bg1"/>
-                </a:solidFill>
-                <a:latin typeface="Yoon 윤고딕 530_TT" panose="02090603020101020101" pitchFamily="18" charset="-127"/>
-                <a:ea typeface="Yoon 윤고딕 530_TT" panose="02090603020101020101" pitchFamily="18" charset="-127"/>
-              </a:rPr>
-              <a:t>	</a:t>
-            </a:r>
-            <a:r>
-              <a:rPr lang="ko-KR" altLang="en-US" spc="-300" dirty="0">
-                <a:solidFill>
-                  <a:schemeClr val="bg1"/>
-                </a:solidFill>
-                <a:latin typeface="Yoon 윤고딕 540_TT" panose="02090603020101020101" pitchFamily="18" charset="-127"/>
-                <a:ea typeface="Yoon 윤고딕 540_TT" panose="02090603020101020101" pitchFamily="18" charset="-127"/>
-              </a:rPr>
-              <a:t>개요</a:t>
-            </a:r>
-            <a:endParaRPr lang="en-US" altLang="ko-KR" spc="-300" dirty="0">
-              <a:solidFill>
-                <a:schemeClr val="bg1"/>
-              </a:solidFill>
-              <a:latin typeface="Yoon 윤고딕 540_TT" panose="02090603020101020101" pitchFamily="18" charset="-127"/>
-              <a:ea typeface="Yoon 윤고딕 540_TT" panose="02090603020101020101" pitchFamily="18" charset="-127"/>
-            </a:endParaRPr>
-          </a:p>
-          <a:p>
-            <a:endParaRPr lang="en-US" altLang="ko-KR" sz="500" spc="-150" dirty="0">
-              <a:solidFill>
-                <a:schemeClr val="bg1"/>
-              </a:solidFill>
-              <a:latin typeface="Yoon 윤고딕 520_TT" panose="02090603020101020101" pitchFamily="18" charset="-127"/>
-              <a:ea typeface="Yoon 윤고딕 520_TT" panose="02090603020101020101" pitchFamily="18" charset="-127"/>
-            </a:endParaRPr>
-          </a:p>
-          <a:p>
-            <a:pPr lvl="4"/>
-            <a:r>
-              <a:rPr lang="en-US" altLang="ko-KR" sz="1600" spc="-150" dirty="0">
-                <a:solidFill>
-                  <a:schemeClr val="bg1"/>
-                </a:solidFill>
-                <a:latin typeface="Yoon 윤고딕 520_TT" panose="02090603020101020101" pitchFamily="18" charset="-127"/>
-                <a:ea typeface="Yoon 윤고딕 520_TT" panose="02090603020101020101" pitchFamily="18" charset="-127"/>
-              </a:rPr>
-              <a:t>01        </a:t>
-            </a:r>
-            <a:r>
-              <a:rPr lang="ko-KR" altLang="en-US" sz="1600" spc="-150" dirty="0">
-                <a:solidFill>
-                  <a:schemeClr val="bg1"/>
-                </a:solidFill>
-                <a:latin typeface="Yoon 윤고딕 520_TT" panose="02090603020101020101" pitchFamily="18" charset="-127"/>
-                <a:ea typeface="Yoon 윤고딕 520_TT" panose="02090603020101020101" pitchFamily="18" charset="-127"/>
-              </a:rPr>
-              <a:t>지적 사항 답변</a:t>
-            </a:r>
-            <a:endParaRPr lang="en-US" altLang="ko-KR" sz="1600" spc="-150" dirty="0">
-              <a:solidFill>
-                <a:schemeClr val="bg1"/>
-              </a:solidFill>
-              <a:latin typeface="Yoon 윤고딕 520_TT" panose="02090603020101020101" pitchFamily="18" charset="-127"/>
-              <a:ea typeface="Yoon 윤고딕 520_TT" panose="02090603020101020101" pitchFamily="18" charset="-127"/>
-            </a:endParaRPr>
-          </a:p>
-          <a:p>
-            <a:pPr lvl="4"/>
-            <a:r>
-              <a:rPr lang="en-US" altLang="ko-KR" sz="1600" spc="-150" dirty="0">
-                <a:solidFill>
-                  <a:schemeClr val="bg1"/>
-                </a:solidFill>
-                <a:latin typeface="Yoon 윤고딕 520_TT" panose="02090603020101020101" pitchFamily="18" charset="-127"/>
-                <a:ea typeface="Yoon 윤고딕 520_TT" panose="02090603020101020101" pitchFamily="18" charset="-127"/>
-              </a:rPr>
-              <a:t>02        </a:t>
-            </a:r>
-            <a:r>
-              <a:rPr lang="ko-KR" altLang="en-US" sz="1600" spc="-150" dirty="0">
-                <a:solidFill>
-                  <a:schemeClr val="bg1"/>
-                </a:solidFill>
-                <a:latin typeface="Yoon 윤고딕 520_TT" panose="02090603020101020101" pitchFamily="18" charset="-127"/>
-                <a:ea typeface="Yoon 윤고딕 520_TT" panose="02090603020101020101" pitchFamily="18" charset="-127"/>
-              </a:rPr>
-              <a:t>개발 배경</a:t>
-            </a:r>
-            <a:endParaRPr lang="en-US" altLang="ko-KR" sz="1600" spc="-150" dirty="0">
-              <a:solidFill>
-                <a:schemeClr val="bg1"/>
-              </a:solidFill>
-              <a:latin typeface="Yoon 윤고딕 520_TT" panose="02090603020101020101" pitchFamily="18" charset="-127"/>
-              <a:ea typeface="Yoon 윤고딕 520_TT" panose="02090603020101020101" pitchFamily="18" charset="-127"/>
-            </a:endParaRPr>
-          </a:p>
-          <a:p>
-            <a:pPr lvl="4"/>
-            <a:r>
-              <a:rPr lang="en-US" altLang="ko-KR" sz="1600" spc="-150" dirty="0">
-                <a:solidFill>
-                  <a:schemeClr val="bg1"/>
-                </a:solidFill>
-                <a:latin typeface="Yoon 윤고딕 520_TT" panose="02090603020101020101" pitchFamily="18" charset="-127"/>
-                <a:ea typeface="Yoon 윤고딕 520_TT" panose="02090603020101020101" pitchFamily="18" charset="-127"/>
-              </a:rPr>
-              <a:t>03        </a:t>
-            </a:r>
-            <a:r>
-              <a:rPr lang="ko-KR" altLang="en-US" sz="1600" spc="-150" dirty="0">
-                <a:solidFill>
-                  <a:schemeClr val="bg1"/>
-                </a:solidFill>
-                <a:latin typeface="Yoon 윤고딕 520_TT" panose="02090603020101020101" pitchFamily="18" charset="-127"/>
-                <a:ea typeface="Yoon 윤고딕 520_TT" panose="02090603020101020101" pitchFamily="18" charset="-127"/>
-              </a:rPr>
-              <a:t>개발 목표</a:t>
-            </a:r>
-            <a:endParaRPr lang="en-US" altLang="ko-KR" sz="1600" spc="-150" dirty="0">
-              <a:solidFill>
-                <a:schemeClr val="bg1"/>
-              </a:solidFill>
-              <a:latin typeface="Yoon 윤고딕 520_TT" panose="02090603020101020101" pitchFamily="18" charset="-127"/>
-              <a:ea typeface="Yoon 윤고딕 520_TT" panose="02090603020101020101" pitchFamily="18" charset="-127"/>
-            </a:endParaRPr>
-          </a:p>
-          <a:p>
-            <a:pPr lvl="4"/>
-            <a:r>
-              <a:rPr lang="en-US" altLang="ko-KR" sz="1600" spc="-150" dirty="0">
-                <a:solidFill>
-                  <a:schemeClr val="bg1"/>
-                </a:solidFill>
-                <a:latin typeface="Yoon 윤고딕 520_TT" panose="02090603020101020101" pitchFamily="18" charset="-127"/>
-                <a:ea typeface="Yoon 윤고딕 520_TT" panose="02090603020101020101" pitchFamily="18" charset="-127"/>
-              </a:rPr>
-              <a:t>04        </a:t>
-            </a:r>
-            <a:r>
-              <a:rPr lang="ko-KR" altLang="en-US" sz="1600" spc="-150" dirty="0">
-                <a:solidFill>
-                  <a:schemeClr val="bg1"/>
-                </a:solidFill>
-                <a:latin typeface="Yoon 윤고딕 520_TT" panose="02090603020101020101" pitchFamily="18" charset="-127"/>
-                <a:ea typeface="Yoon 윤고딕 520_TT" panose="02090603020101020101" pitchFamily="18" charset="-127"/>
-              </a:rPr>
-              <a:t>개발 효과</a:t>
-            </a:r>
-            <a:endParaRPr lang="en-US" altLang="ko-KR" sz="1600" spc="-150" dirty="0">
-              <a:solidFill>
-                <a:schemeClr val="bg1"/>
-              </a:solidFill>
-              <a:latin typeface="Yoon 윤고딕 520_TT" panose="02090603020101020101" pitchFamily="18" charset="-127"/>
-              <a:ea typeface="Yoon 윤고딕 520_TT" panose="02090603020101020101" pitchFamily="18" charset="-127"/>
-            </a:endParaRPr>
-          </a:p>
-          <a:p>
-            <a:endParaRPr lang="en-US" altLang="ko-KR" sz="2000" dirty="0">
-              <a:solidFill>
-                <a:schemeClr val="bg1"/>
-              </a:solidFill>
-              <a:latin typeface="Yoon 윤고딕 530_TT" panose="02090603020101020101" pitchFamily="18" charset="-127"/>
-              <a:ea typeface="Yoon 윤고딕 530_TT" panose="02090603020101020101" pitchFamily="18" charset="-127"/>
-            </a:endParaRPr>
-          </a:p>
-          <a:p>
-            <a:r>
-              <a:rPr lang="en-US" altLang="ko-KR" sz="2000" dirty="0">
-                <a:solidFill>
-                  <a:schemeClr val="bg1"/>
-                </a:solidFill>
-                <a:latin typeface="Yoon 윤고딕 530_TT" panose="02090603020101020101" pitchFamily="18" charset="-127"/>
-                <a:ea typeface="Yoon 윤고딕 530_TT" panose="02090603020101020101" pitchFamily="18" charset="-127"/>
-              </a:rPr>
-              <a:t>	</a:t>
-            </a:r>
-            <a:r>
-              <a:rPr lang="en-US" altLang="ko-KR" sz="2000" dirty="0">
-                <a:solidFill>
-                  <a:srgbClr val="91CCF1"/>
-                </a:solidFill>
-                <a:latin typeface="Yoon 윤고딕 550_TT" panose="02090603020101020101" pitchFamily="18" charset="-127"/>
-                <a:ea typeface="Yoon 윤고딕 550_TT" panose="02090603020101020101" pitchFamily="18" charset="-127"/>
-              </a:rPr>
-              <a:t>002</a:t>
-            </a:r>
-            <a:r>
-              <a:rPr lang="en-US" altLang="ko-KR" sz="2000" dirty="0">
-                <a:solidFill>
-                  <a:schemeClr val="bg1"/>
-                </a:solidFill>
-                <a:latin typeface="Yoon 윤고딕 530_TT" panose="02090603020101020101" pitchFamily="18" charset="-127"/>
-                <a:ea typeface="Yoon 윤고딕 530_TT" panose="02090603020101020101" pitchFamily="18" charset="-127"/>
-              </a:rPr>
-              <a:t>	</a:t>
-            </a:r>
-            <a:r>
-              <a:rPr lang="ko-KR" altLang="en-US" spc="-300" dirty="0">
-                <a:solidFill>
-                  <a:schemeClr val="bg1"/>
-                </a:solidFill>
-                <a:latin typeface="Yoon 윤고딕 540_TT" panose="02090603020101020101" pitchFamily="18" charset="-127"/>
-                <a:ea typeface="Yoon 윤고딕 540_TT" panose="02090603020101020101" pitchFamily="18" charset="-127"/>
-              </a:rPr>
-              <a:t>관련 연구   및   사례</a:t>
-            </a:r>
-            <a:endParaRPr lang="en-US" altLang="ko-KR" spc="-300" dirty="0">
-              <a:solidFill>
-                <a:schemeClr val="bg1"/>
-              </a:solidFill>
-              <a:latin typeface="Yoon 윤고딕 540_TT" panose="02090603020101020101" pitchFamily="18" charset="-127"/>
-              <a:ea typeface="Yoon 윤고딕 540_TT" panose="02090603020101020101" pitchFamily="18" charset="-127"/>
-            </a:endParaRPr>
-          </a:p>
-          <a:p>
-            <a:endParaRPr lang="en-US" altLang="ko-KR" sz="500" spc="-150" dirty="0">
-              <a:solidFill>
-                <a:schemeClr val="bg1"/>
-              </a:solidFill>
-              <a:latin typeface="Yoon 윤고딕 520_TT" panose="02090603020101020101" pitchFamily="18" charset="-127"/>
-              <a:ea typeface="Yoon 윤고딕 520_TT" panose="02090603020101020101" pitchFamily="18" charset="-127"/>
-            </a:endParaRPr>
-          </a:p>
-          <a:p>
-            <a:pPr lvl="4"/>
-            <a:r>
-              <a:rPr lang="en-US" altLang="ko-KR" sz="1600" spc="-150" dirty="0">
-                <a:solidFill>
-                  <a:schemeClr val="bg1"/>
-                </a:solidFill>
-                <a:latin typeface="Yoon 윤고딕 520_TT" panose="02090603020101020101" pitchFamily="18" charset="-127"/>
-                <a:ea typeface="Yoon 윤고딕 520_TT" panose="02090603020101020101" pitchFamily="18" charset="-127"/>
-              </a:rPr>
-              <a:t>01        </a:t>
-            </a:r>
-            <a:r>
-              <a:rPr lang="ko-KR" altLang="en-US" sz="1600" spc="-150" dirty="0">
-                <a:solidFill>
-                  <a:schemeClr val="bg1"/>
-                </a:solidFill>
-                <a:latin typeface="Yoon 윤고딕 520_TT" panose="02090603020101020101" pitchFamily="18" charset="-127"/>
-                <a:ea typeface="Yoon 윤고딕 520_TT" panose="02090603020101020101" pitchFamily="18" charset="-127"/>
-              </a:rPr>
-              <a:t>관련 사례</a:t>
-            </a:r>
-            <a:endParaRPr lang="en-US" altLang="ko-KR" sz="1600" spc="-150" dirty="0">
-              <a:solidFill>
-                <a:schemeClr val="bg1"/>
-              </a:solidFill>
-              <a:latin typeface="Yoon 윤고딕 520_TT" panose="02090603020101020101" pitchFamily="18" charset="-127"/>
-              <a:ea typeface="Yoon 윤고딕 520_TT" panose="02090603020101020101" pitchFamily="18" charset="-127"/>
-            </a:endParaRPr>
-          </a:p>
-          <a:p>
-            <a:pPr lvl="4"/>
-            <a:r>
-              <a:rPr lang="en-US" altLang="ko-KR" sz="1600" spc="-150" dirty="0">
-                <a:solidFill>
-                  <a:schemeClr val="bg1"/>
-                </a:solidFill>
-                <a:latin typeface="Yoon 윤고딕 520_TT" panose="02090603020101020101" pitchFamily="18" charset="-127"/>
-                <a:ea typeface="Yoon 윤고딕 520_TT" panose="02090603020101020101" pitchFamily="18" charset="-127"/>
-              </a:rPr>
-              <a:t>02        </a:t>
-            </a:r>
-            <a:r>
-              <a:rPr lang="ko-KR" altLang="en-US" sz="1600" spc="-150" dirty="0">
-                <a:solidFill>
-                  <a:schemeClr val="bg1"/>
-                </a:solidFill>
-                <a:latin typeface="Yoon 윤고딕 520_TT" panose="02090603020101020101" pitchFamily="18" charset="-127"/>
-                <a:ea typeface="Yoon 윤고딕 520_TT" panose="02090603020101020101" pitchFamily="18" charset="-127"/>
-              </a:rPr>
-              <a:t>기존 어플과 차별점</a:t>
-            </a:r>
-            <a:endParaRPr lang="en-US" altLang="ko-KR" b="1" spc="-150" dirty="0">
-              <a:solidFill>
-                <a:schemeClr val="bg1"/>
-              </a:solidFill>
-              <a:latin typeface="Yoon 윤고딕 520_TT" panose="02090603020101020101" pitchFamily="18" charset="-127"/>
-              <a:ea typeface="Yoon 윤고딕 520_TT" panose="02090603020101020101" pitchFamily="18" charset="-127"/>
-            </a:endParaRPr>
-          </a:p>
-          <a:p>
-            <a:endParaRPr lang="en-US" altLang="ko-KR" sz="2000" dirty="0">
-              <a:solidFill>
-                <a:schemeClr val="bg1"/>
-              </a:solidFill>
-              <a:latin typeface="Yoon 윤고딕 530_TT" panose="02090603020101020101" pitchFamily="18" charset="-127"/>
-              <a:ea typeface="Yoon 윤고딕 530_TT" panose="02090603020101020101" pitchFamily="18" charset="-127"/>
-            </a:endParaRPr>
-          </a:p>
-          <a:p>
-            <a:r>
-              <a:rPr lang="en-US" altLang="ko-KR" sz="2000" dirty="0">
-                <a:solidFill>
-                  <a:schemeClr val="bg1"/>
-                </a:solidFill>
-                <a:latin typeface="Yoon 윤고딕 530_TT" panose="02090603020101020101" pitchFamily="18" charset="-127"/>
-                <a:ea typeface="Yoon 윤고딕 530_TT" panose="02090603020101020101" pitchFamily="18" charset="-127"/>
-              </a:rPr>
-              <a:t>	</a:t>
-            </a:r>
-            <a:r>
-              <a:rPr lang="en-US" altLang="ko-KR" sz="2000" dirty="0">
-                <a:solidFill>
-                  <a:srgbClr val="91CCF1"/>
-                </a:solidFill>
-                <a:latin typeface="Yoon 윤고딕 550_TT" panose="02090603020101020101" pitchFamily="18" charset="-127"/>
-                <a:ea typeface="Yoon 윤고딕 550_TT" panose="02090603020101020101" pitchFamily="18" charset="-127"/>
-              </a:rPr>
-              <a:t>003</a:t>
-            </a:r>
-            <a:r>
-              <a:rPr lang="en-US" altLang="ko-KR" sz="2000" dirty="0">
-                <a:solidFill>
-                  <a:schemeClr val="bg1"/>
-                </a:solidFill>
-                <a:latin typeface="Yoon 윤고딕 530_TT" panose="02090603020101020101" pitchFamily="18" charset="-127"/>
-                <a:ea typeface="Yoon 윤고딕 530_TT" panose="02090603020101020101" pitchFamily="18" charset="-127"/>
-              </a:rPr>
-              <a:t>	</a:t>
-            </a:r>
-            <a:r>
-              <a:rPr lang="ko-KR" altLang="en-US" spc="-300" dirty="0">
-                <a:solidFill>
-                  <a:schemeClr val="bg1"/>
-                </a:solidFill>
-                <a:latin typeface="Yoon 윤고딕 540_TT" panose="02090603020101020101" pitchFamily="18" charset="-127"/>
-                <a:ea typeface="Yoon 윤고딕 540_TT" panose="02090603020101020101" pitchFamily="18" charset="-127"/>
-              </a:rPr>
-              <a:t>시스템 수행 시나리오</a:t>
-            </a:r>
-            <a:endParaRPr lang="en-US" altLang="ko-KR" spc="-300" dirty="0">
-              <a:solidFill>
-                <a:schemeClr val="bg1"/>
-              </a:solidFill>
-              <a:latin typeface="Yoon 윤고딕 540_TT" panose="02090603020101020101" pitchFamily="18" charset="-127"/>
-              <a:ea typeface="Yoon 윤고딕 540_TT" panose="02090603020101020101" pitchFamily="18" charset="-127"/>
-            </a:endParaRPr>
-          </a:p>
-          <a:p>
-            <a:endParaRPr lang="en-US" altLang="ko-KR" sz="2000" dirty="0">
-              <a:solidFill>
-                <a:schemeClr val="bg1"/>
-              </a:solidFill>
-              <a:latin typeface="Yoon 윤고딕 530_TT" panose="02090603020101020101" pitchFamily="18" charset="-127"/>
-              <a:ea typeface="Yoon 윤고딕 530_TT" panose="02090603020101020101" pitchFamily="18" charset="-127"/>
-            </a:endParaRPr>
-          </a:p>
-          <a:p>
-            <a:r>
-              <a:rPr lang="en-US" altLang="ko-KR" sz="2000" dirty="0">
-                <a:solidFill>
-                  <a:schemeClr val="bg1"/>
-                </a:solidFill>
-                <a:latin typeface="Yoon 윤고딕 530_TT" panose="02090603020101020101" pitchFamily="18" charset="-127"/>
-                <a:ea typeface="Yoon 윤고딕 530_TT" panose="02090603020101020101" pitchFamily="18" charset="-127"/>
-              </a:rPr>
-              <a:t>	</a:t>
-            </a:r>
-            <a:r>
-              <a:rPr lang="en-US" altLang="ko-KR" sz="2000" dirty="0">
-                <a:solidFill>
-                  <a:srgbClr val="91CCF1"/>
-                </a:solidFill>
-                <a:latin typeface="Yoon 윤고딕 550_TT" panose="02090603020101020101" pitchFamily="18" charset="-127"/>
-                <a:ea typeface="Yoon 윤고딕 550_TT" panose="02090603020101020101" pitchFamily="18" charset="-127"/>
-              </a:rPr>
-              <a:t>004</a:t>
-            </a:r>
-            <a:r>
-              <a:rPr lang="en-US" altLang="ko-KR" sz="2000" dirty="0">
-                <a:solidFill>
-                  <a:schemeClr val="bg1"/>
-                </a:solidFill>
-                <a:latin typeface="Yoon 윤고딕 530_TT" panose="02090603020101020101" pitchFamily="18" charset="-127"/>
-                <a:ea typeface="Yoon 윤고딕 530_TT" panose="02090603020101020101" pitchFamily="18" charset="-127"/>
-              </a:rPr>
-              <a:t>	</a:t>
-            </a:r>
-            <a:r>
-              <a:rPr lang="ko-KR" altLang="en-US" spc="-300" dirty="0">
-                <a:solidFill>
-                  <a:schemeClr val="bg1"/>
-                </a:solidFill>
-                <a:latin typeface="Yoon 윤고딕 540_TT" panose="02090603020101020101" pitchFamily="18" charset="-127"/>
-                <a:ea typeface="Yoon 윤고딕 540_TT" panose="02090603020101020101" pitchFamily="18" charset="-127"/>
-              </a:rPr>
-              <a:t>시스템 구성도</a:t>
-            </a:r>
-            <a:endParaRPr lang="en-US" altLang="ko-KR" spc="-300" dirty="0">
-              <a:solidFill>
-                <a:schemeClr val="bg1"/>
-              </a:solidFill>
-              <a:latin typeface="Yoon 윤고딕 540_TT" panose="02090603020101020101" pitchFamily="18" charset="-127"/>
-              <a:ea typeface="Yoon 윤고딕 540_TT" panose="02090603020101020101" pitchFamily="18" charset="-127"/>
-            </a:endParaRPr>
-          </a:p>
-          <a:p>
-            <a:endParaRPr lang="en-US" altLang="ko-KR" sz="2000" dirty="0">
-              <a:solidFill>
-                <a:schemeClr val="bg1"/>
-              </a:solidFill>
-              <a:latin typeface="Yoon 윤고딕 530_TT" panose="02090603020101020101" pitchFamily="18" charset="-127"/>
-              <a:ea typeface="Yoon 윤고딕 530_TT" panose="02090603020101020101" pitchFamily="18" charset="-127"/>
-            </a:endParaRPr>
-          </a:p>
-          <a:p>
-            <a:r>
-              <a:rPr lang="en-US" altLang="ko-KR" sz="2000" dirty="0">
-                <a:solidFill>
-                  <a:schemeClr val="bg1"/>
-                </a:solidFill>
-                <a:latin typeface="Yoon 윤고딕 530_TT" panose="02090603020101020101" pitchFamily="18" charset="-127"/>
-                <a:ea typeface="Yoon 윤고딕 530_TT" panose="02090603020101020101" pitchFamily="18" charset="-127"/>
-              </a:rPr>
-              <a:t>	</a:t>
-            </a:r>
-            <a:r>
-              <a:rPr lang="en-US" altLang="ko-KR" sz="2000" dirty="0">
-                <a:solidFill>
-                  <a:srgbClr val="91CCF1"/>
-                </a:solidFill>
-                <a:latin typeface="Yoon 윤고딕 550_TT" panose="02090603020101020101" pitchFamily="18" charset="-127"/>
-                <a:ea typeface="Yoon 윤고딕 550_TT" panose="02090603020101020101" pitchFamily="18" charset="-127"/>
-              </a:rPr>
-              <a:t>005 </a:t>
-            </a:r>
-            <a:r>
-              <a:rPr lang="en-US" altLang="ko-KR" sz="2000" dirty="0">
-                <a:solidFill>
-                  <a:schemeClr val="bg1"/>
-                </a:solidFill>
-                <a:latin typeface="Yoon 윤고딕 530_TT" panose="02090603020101020101" pitchFamily="18" charset="-127"/>
-                <a:ea typeface="Yoon 윤고딕 530_TT" panose="02090603020101020101" pitchFamily="18" charset="-127"/>
-              </a:rPr>
-              <a:t>	</a:t>
-            </a:r>
-            <a:r>
-              <a:rPr lang="ko-KR" altLang="en-US" spc="-300" dirty="0">
-                <a:solidFill>
-                  <a:schemeClr val="bg1"/>
-                </a:solidFill>
-                <a:latin typeface="Yoon 윤고딕 540_TT" panose="02090603020101020101" pitchFamily="18" charset="-127"/>
-                <a:ea typeface="Yoon 윤고딕 540_TT" panose="02090603020101020101" pitchFamily="18" charset="-127"/>
-              </a:rPr>
-              <a:t>시스템 모듈 상세 설계</a:t>
-            </a:r>
-            <a:endParaRPr lang="en-US" altLang="ko-KR" spc="-300" dirty="0">
-              <a:solidFill>
-                <a:schemeClr val="bg1"/>
-              </a:solidFill>
-              <a:latin typeface="Yoon 윤고딕 540_TT" panose="02090603020101020101" pitchFamily="18" charset="-127"/>
-              <a:ea typeface="Yoon 윤고딕 540_TT" panose="02090603020101020101" pitchFamily="18" charset="-127"/>
-            </a:endParaRPr>
-          </a:p>
-          <a:p>
-            <a:r>
-              <a:rPr lang="en-US" altLang="ko-KR" sz="2000" dirty="0">
-                <a:solidFill>
-                  <a:schemeClr val="bg1"/>
-                </a:solidFill>
-                <a:latin typeface="Yoon 윤고딕 530_TT" panose="02090603020101020101" pitchFamily="18" charset="-127"/>
-                <a:ea typeface="Yoon 윤고딕 530_TT" panose="02090603020101020101" pitchFamily="18" charset="-127"/>
-              </a:rPr>
-              <a:t>	</a:t>
-            </a:r>
-          </a:p>
-          <a:p>
-            <a:r>
-              <a:rPr lang="en-US" altLang="ko-KR" sz="2000" dirty="0">
-                <a:solidFill>
-                  <a:schemeClr val="bg1"/>
-                </a:solidFill>
-                <a:latin typeface="Yoon 윤고딕 530_TT" panose="02090603020101020101" pitchFamily="18" charset="-127"/>
-                <a:ea typeface="Yoon 윤고딕 530_TT" panose="02090603020101020101" pitchFamily="18" charset="-127"/>
-              </a:rPr>
-              <a:t>	</a:t>
-            </a:r>
-            <a:r>
-              <a:rPr lang="en-US" altLang="ko-KR" sz="2000" dirty="0">
-                <a:solidFill>
-                  <a:srgbClr val="91CCF1"/>
-                </a:solidFill>
-                <a:latin typeface="Yoon 윤고딕 550_TT" panose="02090603020101020101" pitchFamily="18" charset="-127"/>
-                <a:ea typeface="Yoon 윤고딕 550_TT" panose="02090603020101020101" pitchFamily="18" charset="-127"/>
-              </a:rPr>
-              <a:t>006</a:t>
-            </a:r>
-            <a:r>
-              <a:rPr lang="en-US" altLang="ko-KR" sz="2000" dirty="0">
-                <a:solidFill>
-                  <a:schemeClr val="bg1"/>
-                </a:solidFill>
-                <a:latin typeface="Yoon 윤고딕 530_TT" panose="02090603020101020101" pitchFamily="18" charset="-127"/>
-                <a:ea typeface="Yoon 윤고딕 530_TT" panose="02090603020101020101" pitchFamily="18" charset="-127"/>
-              </a:rPr>
-              <a:t>	</a:t>
-            </a:r>
-            <a:r>
-              <a:rPr lang="ko-KR" altLang="en-US" spc="-300" dirty="0">
-                <a:solidFill>
-                  <a:schemeClr val="bg1"/>
-                </a:solidFill>
-                <a:latin typeface="Yoon 윤고딕 540_TT" panose="02090603020101020101" pitchFamily="18" charset="-127"/>
-                <a:ea typeface="Yoon 윤고딕 540_TT" panose="02090603020101020101" pitchFamily="18" charset="-127"/>
-              </a:rPr>
-              <a:t>개발 환경  및  개발 방법</a:t>
-            </a:r>
-            <a:endParaRPr lang="en-US" altLang="ko-KR" spc="-300" dirty="0">
-              <a:solidFill>
-                <a:schemeClr val="bg1"/>
-              </a:solidFill>
-              <a:latin typeface="Yoon 윤고딕 540_TT" panose="02090603020101020101" pitchFamily="18" charset="-127"/>
-              <a:ea typeface="Yoon 윤고딕 540_TT" panose="02090603020101020101" pitchFamily="18" charset="-127"/>
-            </a:endParaRPr>
-          </a:p>
-          <a:p>
-            <a:endParaRPr lang="en-US" altLang="ko-KR" sz="2000" dirty="0">
-              <a:solidFill>
-                <a:schemeClr val="bg1"/>
-              </a:solidFill>
-              <a:latin typeface="Yoon 윤고딕 530_TT" panose="02090603020101020101" pitchFamily="18" charset="-127"/>
-              <a:ea typeface="Yoon 윤고딕 530_TT" panose="02090603020101020101" pitchFamily="18" charset="-127"/>
-            </a:endParaRPr>
-          </a:p>
-          <a:p>
-            <a:r>
-              <a:rPr lang="en-US" altLang="ko-KR" sz="2000" dirty="0">
-                <a:solidFill>
-                  <a:schemeClr val="bg1"/>
-                </a:solidFill>
-                <a:latin typeface="Yoon 윤고딕 530_TT" panose="02090603020101020101" pitchFamily="18" charset="-127"/>
-                <a:ea typeface="Yoon 윤고딕 530_TT" panose="02090603020101020101" pitchFamily="18" charset="-127"/>
-              </a:rPr>
-              <a:t>	</a:t>
-            </a:r>
-            <a:r>
-              <a:rPr lang="en-US" altLang="ko-KR" sz="2000" dirty="0">
-                <a:solidFill>
-                  <a:srgbClr val="91CCF1"/>
-                </a:solidFill>
-                <a:latin typeface="Yoon 윤고딕 550_TT" panose="02090603020101020101" pitchFamily="18" charset="-127"/>
-                <a:ea typeface="Yoon 윤고딕 550_TT" panose="02090603020101020101" pitchFamily="18" charset="-127"/>
-              </a:rPr>
-              <a:t>007</a:t>
-            </a:r>
-            <a:r>
-              <a:rPr lang="en-US" altLang="ko-KR" sz="2000" dirty="0">
-                <a:solidFill>
-                  <a:schemeClr val="bg1"/>
-                </a:solidFill>
-                <a:latin typeface="Yoon 윤고딕 530_TT" panose="02090603020101020101" pitchFamily="18" charset="-127"/>
-                <a:ea typeface="Yoon 윤고딕 530_TT" panose="02090603020101020101" pitchFamily="18" charset="-127"/>
-              </a:rPr>
-              <a:t>	</a:t>
-            </a:r>
-            <a:r>
-              <a:rPr lang="ko-KR" altLang="en-US" spc="-300" dirty="0">
-                <a:solidFill>
-                  <a:schemeClr val="bg1"/>
-                </a:solidFill>
-                <a:latin typeface="Yoon 윤고딕 540_TT" panose="02090603020101020101" pitchFamily="18" charset="-127"/>
-                <a:ea typeface="Yoon 윤고딕 540_TT" panose="02090603020101020101" pitchFamily="18" charset="-127"/>
-              </a:rPr>
-              <a:t>업무 분담</a:t>
-            </a:r>
-          </a:p>
-          <a:p>
-            <a:endParaRPr lang="en-US" altLang="ko-KR" sz="2000" dirty="0">
-              <a:solidFill>
-                <a:schemeClr val="bg1"/>
-              </a:solidFill>
-              <a:latin typeface="Yoon 윤고딕 530_TT" panose="02090603020101020101" pitchFamily="18" charset="-127"/>
-              <a:ea typeface="Yoon 윤고딕 530_TT" panose="02090603020101020101" pitchFamily="18" charset="-127"/>
-            </a:endParaRPr>
-          </a:p>
-        </p:txBody>
-      </p:sp>
-      <p:sp>
-        <p:nvSpPr>
-          <p:cNvPr id="8" name="TextBox 7"/>
-          <p:cNvSpPr txBox="1"/>
-          <p:nvPr/>
-        </p:nvSpPr>
-        <p:spPr>
-          <a:xfrm>
-            <a:off x="508820" y="486697"/>
-            <a:ext cx="2920180" cy="830997"/>
-          </a:xfrm>
-          <a:prstGeom prst="rect">
-            <a:avLst/>
-          </a:prstGeom>
-          <a:noFill/>
-        </p:spPr>
-        <p:txBody>
-          <a:bodyPr wrap="square" rtlCol="0">
-            <a:spAutoFit/>
-          </a:bodyPr>
-          <a:lstStyle/>
-          <a:p>
-            <a:r>
-              <a:rPr lang="en-US" altLang="ko-KR" sz="4800" spc="-150" dirty="0">
-                <a:solidFill>
-                  <a:schemeClr val="bg1"/>
-                </a:solidFill>
-                <a:latin typeface="Yoon 윤고딕 550_TT" panose="02090603020101020101" pitchFamily="18" charset="-127"/>
-                <a:ea typeface="Yoon 윤고딕 550_TT" panose="02090603020101020101" pitchFamily="18" charset="-127"/>
-              </a:rPr>
-              <a:t>Contents</a:t>
-            </a:r>
-            <a:endParaRPr lang="ko-KR" altLang="en-US" sz="4800" spc="-150" dirty="0">
-              <a:solidFill>
-                <a:schemeClr val="bg1"/>
-              </a:solidFill>
-              <a:latin typeface="Yoon 윤고딕 550_TT" panose="02090603020101020101" pitchFamily="18" charset="-127"/>
-              <a:ea typeface="Yoon 윤고딕 550_TT" panose="02090603020101020101" pitchFamily="18" charset="-127"/>
-            </a:endParaRPr>
-          </a:p>
-        </p:txBody>
-      </p:sp>
-      <p:cxnSp>
-        <p:nvCxnSpPr>
-          <p:cNvPr id="10" name="직선 연결선 9"/>
-          <p:cNvCxnSpPr/>
-          <p:nvPr/>
-        </p:nvCxnSpPr>
-        <p:spPr>
-          <a:xfrm>
-            <a:off x="5596597" y="1252023"/>
-            <a:ext cx="0" cy="5134709"/>
-          </a:xfrm>
-          <a:prstGeom prst="line">
-            <a:avLst/>
-          </a:prstGeom>
-          <a:ln>
-            <a:solidFill>
-              <a:schemeClr val="bg1"/>
-            </a:solidFill>
-          </a:ln>
-        </p:spPr>
-        <p:style>
-          <a:lnRef idx="1">
-            <a:schemeClr val="accent1"/>
-          </a:lnRef>
-          <a:fillRef idx="0">
-            <a:schemeClr val="accent1"/>
-          </a:fillRef>
-          <a:effectRef idx="0">
-            <a:schemeClr val="accent1"/>
-          </a:effectRef>
-          <a:fontRef idx="minor">
-            <a:schemeClr val="tx1"/>
-          </a:fontRef>
-        </p:style>
-      </p:cxnSp>
-    </p:spTree>
-    <p:extLst>
-      <p:ext uri="{BB962C8B-B14F-4D97-AF65-F5344CB8AC3E}">
-        <p14:creationId xmlns:p14="http://schemas.microsoft.com/office/powerpoint/2010/main" val="2507104998"/>
-      </p:ext>
-    </p:extLst>
-  </p:cSld>
-  <p:clrMapOvr>
-    <a:masterClrMapping/>
-  </p:clrMapOvr>
-</p:sld>
-</file>
-
-<file path=ppt/slides/slide20.xml><?xml version="1.0" encoding="utf-8"?>
+<file path=ppt/slides/slide19.xml><?xml version="1.0" encoding="utf-8"?>
 <p:sld xmlns:a="http://schemas.openxmlformats.org/drawingml/2006/main" xmlns:r="http://schemas.openxmlformats.org/officeDocument/2006/relationships" xmlns:p="http://schemas.openxmlformats.org/presentationml/2006/main">
   <p:cSld>
     <p:spTree>
@@ -16723,7 +15492,861 @@
 </p:sld>
 </file>
 
-<file path=ppt/slides/slide21.xml><?xml version="1.0" encoding="utf-8"?>
+<file path=ppt/slides/slide2.xml><?xml version="1.0" encoding="utf-8"?>
+<p:sld xmlns:a="http://schemas.openxmlformats.org/drawingml/2006/main" xmlns:r="http://schemas.openxmlformats.org/officeDocument/2006/relationships" xmlns:p="http://schemas.openxmlformats.org/presentationml/2006/main">
+  <p:cSld>
+    <p:spTree>
+      <p:nvGrpSpPr>
+        <p:cNvPr id="1" name=""/>
+        <p:cNvGrpSpPr/>
+        <p:nvPr/>
+      </p:nvGrpSpPr>
+      <p:grpSpPr>
+        <a:xfrm>
+          <a:off x="0" y="0"/>
+          <a:ext cx="0" cy="0"/>
+          <a:chOff x="0" y="0"/>
+          <a:chExt cx="0" cy="0"/>
+        </a:xfrm>
+      </p:grpSpPr>
+      <p:pic>
+        <p:nvPicPr>
+          <p:cNvPr id="6" name="그림 5"/>
+          <p:cNvPicPr>
+            <a:picLocks noChangeAspect="1"/>
+          </p:cNvPicPr>
+          <p:nvPr/>
+        </p:nvPicPr>
+        <p:blipFill rotWithShape="1">
+          <a:blip r:embed="rId2">
+            <a:extLst>
+              <a:ext uri="{28A0092B-C50C-407E-A947-70E740481C1C}">
+                <a14:useLocalDpi xmlns:a14="http://schemas.microsoft.com/office/drawing/2010/main" val="0"/>
+              </a:ext>
+            </a:extLst>
+          </a:blip>
+          <a:srcRect b="15625"/>
+          <a:stretch/>
+        </p:blipFill>
+        <p:spPr>
+          <a:xfrm>
+            <a:off x="0" y="0"/>
+            <a:ext cx="12192000" cy="6858000"/>
+          </a:xfrm>
+          <a:prstGeom prst="rect">
+            <a:avLst/>
+          </a:prstGeom>
+        </p:spPr>
+      </p:pic>
+      <p:sp>
+        <p:nvSpPr>
+          <p:cNvPr id="13" name="직사각형 12"/>
+          <p:cNvSpPr/>
+          <p:nvPr/>
+        </p:nvSpPr>
+        <p:spPr>
+          <a:xfrm>
+            <a:off x="0" y="0"/>
+            <a:ext cx="12192000" cy="6858000"/>
+          </a:xfrm>
+          <a:prstGeom prst="rect">
+            <a:avLst/>
+          </a:prstGeom>
+          <a:solidFill>
+            <a:srgbClr val="001A2A">
+              <a:alpha val="56000"/>
+            </a:srgbClr>
+          </a:solidFill>
+          <a:ln>
+            <a:noFill/>
+          </a:ln>
+        </p:spPr>
+        <p:style>
+          <a:lnRef idx="2">
+            <a:schemeClr val="accent1">
+              <a:shade val="50000"/>
+            </a:schemeClr>
+          </a:lnRef>
+          <a:fillRef idx="1">
+            <a:schemeClr val="accent1"/>
+          </a:fillRef>
+          <a:effectRef idx="0">
+            <a:schemeClr val="accent1"/>
+          </a:effectRef>
+          <a:fontRef idx="minor">
+            <a:schemeClr val="lt1"/>
+          </a:fontRef>
+        </p:style>
+        <p:txBody>
+          <a:bodyPr rot="0" spcFirstLastPara="0" vertOverflow="overflow" horzOverflow="overflow" vert="horz" wrap="square" lIns="91440" tIns="45720" rIns="91440" bIns="45720" numCol="1" spcCol="0" rtlCol="0" fromWordArt="0" anchor="ctr" anchorCtr="0" forceAA="0" compatLnSpc="1">
+            <a:prstTxWarp prst="textNoShape">
+              <a:avLst/>
+            </a:prstTxWarp>
+            <a:noAutofit/>
+          </a:bodyPr>
+          <a:lstStyle/>
+          <a:p>
+            <a:pPr algn="ctr"/>
+            <a:endParaRPr lang="ko-KR" altLang="en-US" sz="3600" spc="-300" dirty="0">
+              <a:solidFill>
+                <a:schemeClr val="bg1"/>
+              </a:solidFill>
+              <a:latin typeface="Yoon 윤고딕 530_TT" panose="02090603020101020101" pitchFamily="18" charset="-127"/>
+              <a:ea typeface="Yoon 윤고딕 530_TT" panose="02090603020101020101" pitchFamily="18" charset="-127"/>
+            </a:endParaRPr>
+          </a:p>
+        </p:txBody>
+      </p:sp>
+      <p:sp>
+        <p:nvSpPr>
+          <p:cNvPr id="7" name="직사각형 6"/>
+          <p:cNvSpPr/>
+          <p:nvPr/>
+        </p:nvSpPr>
+        <p:spPr>
+          <a:xfrm>
+            <a:off x="3937819" y="0"/>
+            <a:ext cx="8254181" cy="6858000"/>
+          </a:xfrm>
+          <a:prstGeom prst="rect">
+            <a:avLst/>
+          </a:prstGeom>
+          <a:solidFill>
+            <a:schemeClr val="tx1">
+              <a:alpha val="35000"/>
+            </a:schemeClr>
+          </a:solidFill>
+          <a:ln>
+            <a:noFill/>
+          </a:ln>
+        </p:spPr>
+        <p:style>
+          <a:lnRef idx="2">
+            <a:schemeClr val="accent1">
+              <a:shade val="50000"/>
+            </a:schemeClr>
+          </a:lnRef>
+          <a:fillRef idx="1">
+            <a:schemeClr val="accent1"/>
+          </a:fillRef>
+          <a:effectRef idx="0">
+            <a:schemeClr val="accent1"/>
+          </a:effectRef>
+          <a:fontRef idx="minor">
+            <a:schemeClr val="lt1"/>
+          </a:fontRef>
+        </p:style>
+        <p:txBody>
+          <a:bodyPr rot="0" spcFirstLastPara="0" vertOverflow="overflow" horzOverflow="overflow" vert="horz" wrap="square" lIns="91440" tIns="45720" rIns="91440" bIns="45720" numCol="1" spcCol="0" rtlCol="0" fromWordArt="0" anchor="ctr" anchorCtr="0" forceAA="0" compatLnSpc="1">
+            <a:prstTxWarp prst="textNoShape">
+              <a:avLst/>
+            </a:prstTxWarp>
+            <a:noAutofit/>
+          </a:bodyPr>
+          <a:lstStyle/>
+          <a:p>
+            <a:r>
+              <a:rPr lang="en-US" altLang="ko-KR" sz="2000" dirty="0">
+                <a:solidFill>
+                  <a:schemeClr val="bg1"/>
+                </a:solidFill>
+                <a:latin typeface="Yoon 윤고딕 550_TT" panose="02090603020101020101" pitchFamily="18" charset="-127"/>
+                <a:ea typeface="Yoon 윤고딕 550_TT" panose="02090603020101020101" pitchFamily="18" charset="-127"/>
+              </a:rPr>
+              <a:t>	</a:t>
+            </a:r>
+            <a:r>
+              <a:rPr lang="en-US" altLang="ko-KR" sz="2000" dirty="0">
+                <a:solidFill>
+                  <a:srgbClr val="91CCF1"/>
+                </a:solidFill>
+                <a:latin typeface="Yoon 윤고딕 550_TT" panose="02090603020101020101" pitchFamily="18" charset="-127"/>
+                <a:ea typeface="Yoon 윤고딕 550_TT" panose="02090603020101020101" pitchFamily="18" charset="-127"/>
+              </a:rPr>
+              <a:t>001</a:t>
+            </a:r>
+            <a:r>
+              <a:rPr lang="en-US" altLang="ko-KR" sz="2000" dirty="0">
+                <a:solidFill>
+                  <a:srgbClr val="91CCF1"/>
+                </a:solidFill>
+                <a:latin typeface="Yoon 윤고딕 530_TT" panose="02090603020101020101" pitchFamily="18" charset="-127"/>
+                <a:ea typeface="Yoon 윤고딕 530_TT" panose="02090603020101020101" pitchFamily="18" charset="-127"/>
+              </a:rPr>
+              <a:t> </a:t>
+            </a:r>
+            <a:r>
+              <a:rPr lang="en-US" altLang="ko-KR" sz="2000" dirty="0">
+                <a:solidFill>
+                  <a:schemeClr val="bg1"/>
+                </a:solidFill>
+                <a:latin typeface="Yoon 윤고딕 530_TT" panose="02090603020101020101" pitchFamily="18" charset="-127"/>
+                <a:ea typeface="Yoon 윤고딕 530_TT" panose="02090603020101020101" pitchFamily="18" charset="-127"/>
+              </a:rPr>
+              <a:t>	</a:t>
+            </a:r>
+            <a:r>
+              <a:rPr lang="ko-KR" altLang="en-US" spc="-300" dirty="0">
+                <a:solidFill>
+                  <a:schemeClr val="bg1"/>
+                </a:solidFill>
+                <a:latin typeface="Yoon 윤고딕 540_TT" panose="02090603020101020101" pitchFamily="18" charset="-127"/>
+                <a:ea typeface="Yoon 윤고딕 540_TT" panose="02090603020101020101" pitchFamily="18" charset="-127"/>
+              </a:rPr>
+              <a:t>개요</a:t>
+            </a:r>
+            <a:endParaRPr lang="en-US" altLang="ko-KR" spc="-300" dirty="0">
+              <a:solidFill>
+                <a:schemeClr val="bg1"/>
+              </a:solidFill>
+              <a:latin typeface="Yoon 윤고딕 540_TT" panose="02090603020101020101" pitchFamily="18" charset="-127"/>
+              <a:ea typeface="Yoon 윤고딕 540_TT" panose="02090603020101020101" pitchFamily="18" charset="-127"/>
+            </a:endParaRPr>
+          </a:p>
+          <a:p>
+            <a:endParaRPr lang="en-US" altLang="ko-KR" sz="500" spc="-150" dirty="0">
+              <a:solidFill>
+                <a:schemeClr val="bg1"/>
+              </a:solidFill>
+              <a:latin typeface="Yoon 윤고딕 520_TT" panose="02090603020101020101" pitchFamily="18" charset="-127"/>
+              <a:ea typeface="Yoon 윤고딕 520_TT" panose="02090603020101020101" pitchFamily="18" charset="-127"/>
+            </a:endParaRPr>
+          </a:p>
+          <a:p>
+            <a:pPr lvl="4"/>
+            <a:r>
+              <a:rPr lang="en-US" altLang="ko-KR" sz="1600" spc="-150" dirty="0">
+                <a:solidFill>
+                  <a:schemeClr val="bg1"/>
+                </a:solidFill>
+                <a:latin typeface="Yoon 윤고딕 520_TT" panose="02090603020101020101" pitchFamily="18" charset="-127"/>
+                <a:ea typeface="Yoon 윤고딕 520_TT" panose="02090603020101020101" pitchFamily="18" charset="-127"/>
+              </a:rPr>
+              <a:t>01        </a:t>
+            </a:r>
+            <a:r>
+              <a:rPr lang="ko-KR" altLang="en-US" sz="1600" spc="-150" dirty="0">
+                <a:solidFill>
+                  <a:schemeClr val="bg1"/>
+                </a:solidFill>
+                <a:latin typeface="Yoon 윤고딕 520_TT" panose="02090603020101020101" pitchFamily="18" charset="-127"/>
+                <a:ea typeface="Yoon 윤고딕 520_TT" panose="02090603020101020101" pitchFamily="18" charset="-127"/>
+              </a:rPr>
+              <a:t>지적 사항 답변</a:t>
+            </a:r>
+            <a:endParaRPr lang="en-US" altLang="ko-KR" sz="1600" spc="-150" dirty="0">
+              <a:solidFill>
+                <a:schemeClr val="bg1"/>
+              </a:solidFill>
+              <a:latin typeface="Yoon 윤고딕 520_TT" panose="02090603020101020101" pitchFamily="18" charset="-127"/>
+              <a:ea typeface="Yoon 윤고딕 520_TT" panose="02090603020101020101" pitchFamily="18" charset="-127"/>
+            </a:endParaRPr>
+          </a:p>
+          <a:p>
+            <a:pPr lvl="4"/>
+            <a:r>
+              <a:rPr lang="en-US" altLang="ko-KR" sz="1600" spc="-150" dirty="0">
+                <a:solidFill>
+                  <a:schemeClr val="bg1"/>
+                </a:solidFill>
+                <a:latin typeface="Yoon 윤고딕 520_TT" panose="02090603020101020101" pitchFamily="18" charset="-127"/>
+                <a:ea typeface="Yoon 윤고딕 520_TT" panose="02090603020101020101" pitchFamily="18" charset="-127"/>
+              </a:rPr>
+              <a:t>02        </a:t>
+            </a:r>
+            <a:r>
+              <a:rPr lang="ko-KR" altLang="en-US" sz="1600" spc="-150" dirty="0">
+                <a:solidFill>
+                  <a:schemeClr val="bg1"/>
+                </a:solidFill>
+                <a:latin typeface="Yoon 윤고딕 520_TT" panose="02090603020101020101" pitchFamily="18" charset="-127"/>
+                <a:ea typeface="Yoon 윤고딕 520_TT" panose="02090603020101020101" pitchFamily="18" charset="-127"/>
+              </a:rPr>
+              <a:t>개발 배경</a:t>
+            </a:r>
+            <a:endParaRPr lang="en-US" altLang="ko-KR" sz="1600" spc="-150" dirty="0">
+              <a:solidFill>
+                <a:schemeClr val="bg1"/>
+              </a:solidFill>
+              <a:latin typeface="Yoon 윤고딕 520_TT" panose="02090603020101020101" pitchFamily="18" charset="-127"/>
+              <a:ea typeface="Yoon 윤고딕 520_TT" panose="02090603020101020101" pitchFamily="18" charset="-127"/>
+            </a:endParaRPr>
+          </a:p>
+          <a:p>
+            <a:pPr lvl="4"/>
+            <a:r>
+              <a:rPr lang="en-US" altLang="ko-KR" sz="1600" spc="-150" dirty="0">
+                <a:solidFill>
+                  <a:schemeClr val="bg1"/>
+                </a:solidFill>
+                <a:latin typeface="Yoon 윤고딕 520_TT" panose="02090603020101020101" pitchFamily="18" charset="-127"/>
+                <a:ea typeface="Yoon 윤고딕 520_TT" panose="02090603020101020101" pitchFamily="18" charset="-127"/>
+              </a:rPr>
+              <a:t>03        </a:t>
+            </a:r>
+            <a:r>
+              <a:rPr lang="ko-KR" altLang="en-US" sz="1600" spc="-150" dirty="0">
+                <a:solidFill>
+                  <a:schemeClr val="bg1"/>
+                </a:solidFill>
+                <a:latin typeface="Yoon 윤고딕 520_TT" panose="02090603020101020101" pitchFamily="18" charset="-127"/>
+                <a:ea typeface="Yoon 윤고딕 520_TT" panose="02090603020101020101" pitchFamily="18" charset="-127"/>
+              </a:rPr>
+              <a:t>개발 목표</a:t>
+            </a:r>
+            <a:endParaRPr lang="en-US" altLang="ko-KR" sz="1600" spc="-150" dirty="0">
+              <a:solidFill>
+                <a:schemeClr val="bg1"/>
+              </a:solidFill>
+              <a:latin typeface="Yoon 윤고딕 520_TT" panose="02090603020101020101" pitchFamily="18" charset="-127"/>
+              <a:ea typeface="Yoon 윤고딕 520_TT" panose="02090603020101020101" pitchFamily="18" charset="-127"/>
+            </a:endParaRPr>
+          </a:p>
+          <a:p>
+            <a:pPr lvl="4"/>
+            <a:r>
+              <a:rPr lang="en-US" altLang="ko-KR" sz="1600" spc="-150" dirty="0">
+                <a:solidFill>
+                  <a:schemeClr val="bg1"/>
+                </a:solidFill>
+                <a:latin typeface="Yoon 윤고딕 520_TT" panose="02090603020101020101" pitchFamily="18" charset="-127"/>
+                <a:ea typeface="Yoon 윤고딕 520_TT" panose="02090603020101020101" pitchFamily="18" charset="-127"/>
+              </a:rPr>
+              <a:t>04        </a:t>
+            </a:r>
+            <a:r>
+              <a:rPr lang="ko-KR" altLang="en-US" sz="1600" spc="-150" dirty="0">
+                <a:solidFill>
+                  <a:schemeClr val="bg1"/>
+                </a:solidFill>
+                <a:latin typeface="Yoon 윤고딕 520_TT" panose="02090603020101020101" pitchFamily="18" charset="-127"/>
+                <a:ea typeface="Yoon 윤고딕 520_TT" panose="02090603020101020101" pitchFamily="18" charset="-127"/>
+              </a:rPr>
+              <a:t>개발 효과</a:t>
+            </a:r>
+            <a:endParaRPr lang="en-US" altLang="ko-KR" sz="1600" spc="-150" dirty="0">
+              <a:solidFill>
+                <a:schemeClr val="bg1"/>
+              </a:solidFill>
+              <a:latin typeface="Yoon 윤고딕 520_TT" panose="02090603020101020101" pitchFamily="18" charset="-127"/>
+              <a:ea typeface="Yoon 윤고딕 520_TT" panose="02090603020101020101" pitchFamily="18" charset="-127"/>
+            </a:endParaRPr>
+          </a:p>
+          <a:p>
+            <a:endParaRPr lang="en-US" altLang="ko-KR" sz="2000" dirty="0">
+              <a:solidFill>
+                <a:schemeClr val="bg1"/>
+              </a:solidFill>
+              <a:latin typeface="Yoon 윤고딕 530_TT" panose="02090603020101020101" pitchFamily="18" charset="-127"/>
+              <a:ea typeface="Yoon 윤고딕 530_TT" panose="02090603020101020101" pitchFamily="18" charset="-127"/>
+            </a:endParaRPr>
+          </a:p>
+          <a:p>
+            <a:r>
+              <a:rPr lang="en-US" altLang="ko-KR" sz="2000" dirty="0">
+                <a:solidFill>
+                  <a:schemeClr val="bg1"/>
+                </a:solidFill>
+                <a:latin typeface="Yoon 윤고딕 530_TT" panose="02090603020101020101" pitchFamily="18" charset="-127"/>
+                <a:ea typeface="Yoon 윤고딕 530_TT" panose="02090603020101020101" pitchFamily="18" charset="-127"/>
+              </a:rPr>
+              <a:t>	</a:t>
+            </a:r>
+            <a:r>
+              <a:rPr lang="en-US" altLang="ko-KR" sz="2000" dirty="0">
+                <a:solidFill>
+                  <a:srgbClr val="91CCF1"/>
+                </a:solidFill>
+                <a:latin typeface="Yoon 윤고딕 550_TT" panose="02090603020101020101" pitchFamily="18" charset="-127"/>
+                <a:ea typeface="Yoon 윤고딕 550_TT" panose="02090603020101020101" pitchFamily="18" charset="-127"/>
+              </a:rPr>
+              <a:t>002</a:t>
+            </a:r>
+            <a:r>
+              <a:rPr lang="en-US" altLang="ko-KR" sz="2000" dirty="0">
+                <a:solidFill>
+                  <a:schemeClr val="bg1"/>
+                </a:solidFill>
+                <a:latin typeface="Yoon 윤고딕 530_TT" panose="02090603020101020101" pitchFamily="18" charset="-127"/>
+                <a:ea typeface="Yoon 윤고딕 530_TT" panose="02090603020101020101" pitchFamily="18" charset="-127"/>
+              </a:rPr>
+              <a:t>	</a:t>
+            </a:r>
+            <a:r>
+              <a:rPr lang="ko-KR" altLang="en-US" spc="-300" dirty="0">
+                <a:solidFill>
+                  <a:schemeClr val="bg1"/>
+                </a:solidFill>
+                <a:latin typeface="Yoon 윤고딕 540_TT" panose="02090603020101020101" pitchFamily="18" charset="-127"/>
+                <a:ea typeface="Yoon 윤고딕 540_TT" panose="02090603020101020101" pitchFamily="18" charset="-127"/>
+              </a:rPr>
+              <a:t>관련 연구   및   사례</a:t>
+            </a:r>
+            <a:endParaRPr lang="en-US" altLang="ko-KR" spc="-300" dirty="0">
+              <a:solidFill>
+                <a:schemeClr val="bg1"/>
+              </a:solidFill>
+              <a:latin typeface="Yoon 윤고딕 540_TT" panose="02090603020101020101" pitchFamily="18" charset="-127"/>
+              <a:ea typeface="Yoon 윤고딕 540_TT" panose="02090603020101020101" pitchFamily="18" charset="-127"/>
+            </a:endParaRPr>
+          </a:p>
+          <a:p>
+            <a:endParaRPr lang="en-US" altLang="ko-KR" sz="500" spc="-150" dirty="0">
+              <a:solidFill>
+                <a:schemeClr val="bg1"/>
+              </a:solidFill>
+              <a:latin typeface="Yoon 윤고딕 520_TT" panose="02090603020101020101" pitchFamily="18" charset="-127"/>
+              <a:ea typeface="Yoon 윤고딕 520_TT" panose="02090603020101020101" pitchFamily="18" charset="-127"/>
+            </a:endParaRPr>
+          </a:p>
+          <a:p>
+            <a:pPr lvl="4"/>
+            <a:r>
+              <a:rPr lang="en-US" altLang="ko-KR" sz="1600" spc="-150" dirty="0">
+                <a:solidFill>
+                  <a:schemeClr val="bg1"/>
+                </a:solidFill>
+                <a:latin typeface="Yoon 윤고딕 520_TT" panose="02090603020101020101" pitchFamily="18" charset="-127"/>
+                <a:ea typeface="Yoon 윤고딕 520_TT" panose="02090603020101020101" pitchFamily="18" charset="-127"/>
+              </a:rPr>
+              <a:t>01        </a:t>
+            </a:r>
+            <a:r>
+              <a:rPr lang="ko-KR" altLang="en-US" sz="1600" spc="-150" dirty="0">
+                <a:solidFill>
+                  <a:schemeClr val="bg1"/>
+                </a:solidFill>
+                <a:latin typeface="Yoon 윤고딕 520_TT" panose="02090603020101020101" pitchFamily="18" charset="-127"/>
+                <a:ea typeface="Yoon 윤고딕 520_TT" panose="02090603020101020101" pitchFamily="18" charset="-127"/>
+              </a:rPr>
+              <a:t>관련 사례</a:t>
+            </a:r>
+            <a:endParaRPr lang="en-US" altLang="ko-KR" sz="1600" spc="-150" dirty="0">
+              <a:solidFill>
+                <a:schemeClr val="bg1"/>
+              </a:solidFill>
+              <a:latin typeface="Yoon 윤고딕 520_TT" panose="02090603020101020101" pitchFamily="18" charset="-127"/>
+              <a:ea typeface="Yoon 윤고딕 520_TT" panose="02090603020101020101" pitchFamily="18" charset="-127"/>
+            </a:endParaRPr>
+          </a:p>
+          <a:p>
+            <a:pPr lvl="4"/>
+            <a:r>
+              <a:rPr lang="en-US" altLang="ko-KR" sz="1600" spc="-150" dirty="0">
+                <a:solidFill>
+                  <a:schemeClr val="bg1"/>
+                </a:solidFill>
+                <a:latin typeface="Yoon 윤고딕 520_TT" panose="02090603020101020101" pitchFamily="18" charset="-127"/>
+                <a:ea typeface="Yoon 윤고딕 520_TT" panose="02090603020101020101" pitchFamily="18" charset="-127"/>
+              </a:rPr>
+              <a:t>02        </a:t>
+            </a:r>
+            <a:r>
+              <a:rPr lang="ko-KR" altLang="en-US" sz="1600" spc="-150" dirty="0">
+                <a:solidFill>
+                  <a:schemeClr val="bg1"/>
+                </a:solidFill>
+                <a:latin typeface="Yoon 윤고딕 520_TT" panose="02090603020101020101" pitchFamily="18" charset="-127"/>
+                <a:ea typeface="Yoon 윤고딕 520_TT" panose="02090603020101020101" pitchFamily="18" charset="-127"/>
+              </a:rPr>
+              <a:t>기존 어플과 차별점</a:t>
+            </a:r>
+            <a:endParaRPr lang="en-US" altLang="ko-KR" b="1" spc="-150" dirty="0">
+              <a:solidFill>
+                <a:schemeClr val="bg1"/>
+              </a:solidFill>
+              <a:latin typeface="Yoon 윤고딕 520_TT" panose="02090603020101020101" pitchFamily="18" charset="-127"/>
+              <a:ea typeface="Yoon 윤고딕 520_TT" panose="02090603020101020101" pitchFamily="18" charset="-127"/>
+            </a:endParaRPr>
+          </a:p>
+          <a:p>
+            <a:endParaRPr lang="en-US" altLang="ko-KR" sz="2000" dirty="0">
+              <a:solidFill>
+                <a:schemeClr val="bg1"/>
+              </a:solidFill>
+              <a:latin typeface="Yoon 윤고딕 530_TT" panose="02090603020101020101" pitchFamily="18" charset="-127"/>
+              <a:ea typeface="Yoon 윤고딕 530_TT" panose="02090603020101020101" pitchFamily="18" charset="-127"/>
+            </a:endParaRPr>
+          </a:p>
+          <a:p>
+            <a:r>
+              <a:rPr lang="en-US" altLang="ko-KR" sz="2000" dirty="0">
+                <a:solidFill>
+                  <a:schemeClr val="bg1"/>
+                </a:solidFill>
+                <a:latin typeface="Yoon 윤고딕 530_TT" panose="02090603020101020101" pitchFamily="18" charset="-127"/>
+                <a:ea typeface="Yoon 윤고딕 530_TT" panose="02090603020101020101" pitchFamily="18" charset="-127"/>
+              </a:rPr>
+              <a:t>	</a:t>
+            </a:r>
+            <a:r>
+              <a:rPr lang="en-US" altLang="ko-KR" sz="2000" dirty="0">
+                <a:solidFill>
+                  <a:srgbClr val="91CCF1"/>
+                </a:solidFill>
+                <a:latin typeface="Yoon 윤고딕 550_TT" panose="02090603020101020101" pitchFamily="18" charset="-127"/>
+                <a:ea typeface="Yoon 윤고딕 550_TT" panose="02090603020101020101" pitchFamily="18" charset="-127"/>
+              </a:rPr>
+              <a:t>003</a:t>
+            </a:r>
+            <a:r>
+              <a:rPr lang="en-US" altLang="ko-KR" sz="2000" dirty="0">
+                <a:solidFill>
+                  <a:schemeClr val="bg1"/>
+                </a:solidFill>
+                <a:latin typeface="Yoon 윤고딕 530_TT" panose="02090603020101020101" pitchFamily="18" charset="-127"/>
+                <a:ea typeface="Yoon 윤고딕 530_TT" panose="02090603020101020101" pitchFamily="18" charset="-127"/>
+              </a:rPr>
+              <a:t>	</a:t>
+            </a:r>
+            <a:r>
+              <a:rPr lang="ko-KR" altLang="en-US" spc="-300" dirty="0">
+                <a:solidFill>
+                  <a:schemeClr val="bg1"/>
+                </a:solidFill>
+                <a:latin typeface="Yoon 윤고딕 540_TT" panose="02090603020101020101" pitchFamily="18" charset="-127"/>
+                <a:ea typeface="Yoon 윤고딕 540_TT" panose="02090603020101020101" pitchFamily="18" charset="-127"/>
+              </a:rPr>
+              <a:t>시스템 수행 시나리오</a:t>
+            </a:r>
+            <a:endParaRPr lang="en-US" altLang="ko-KR" spc="-300" dirty="0">
+              <a:solidFill>
+                <a:schemeClr val="bg1"/>
+              </a:solidFill>
+              <a:latin typeface="Yoon 윤고딕 540_TT" panose="02090603020101020101" pitchFamily="18" charset="-127"/>
+              <a:ea typeface="Yoon 윤고딕 540_TT" panose="02090603020101020101" pitchFamily="18" charset="-127"/>
+            </a:endParaRPr>
+          </a:p>
+          <a:p>
+            <a:endParaRPr lang="en-US" altLang="ko-KR" sz="2000" dirty="0">
+              <a:solidFill>
+                <a:schemeClr val="bg1"/>
+              </a:solidFill>
+              <a:latin typeface="Yoon 윤고딕 530_TT" panose="02090603020101020101" pitchFamily="18" charset="-127"/>
+              <a:ea typeface="Yoon 윤고딕 530_TT" panose="02090603020101020101" pitchFamily="18" charset="-127"/>
+            </a:endParaRPr>
+          </a:p>
+          <a:p>
+            <a:r>
+              <a:rPr lang="en-US" altLang="ko-KR" sz="2000" dirty="0">
+                <a:solidFill>
+                  <a:schemeClr val="bg1"/>
+                </a:solidFill>
+                <a:latin typeface="Yoon 윤고딕 530_TT" panose="02090603020101020101" pitchFamily="18" charset="-127"/>
+                <a:ea typeface="Yoon 윤고딕 530_TT" panose="02090603020101020101" pitchFamily="18" charset="-127"/>
+              </a:rPr>
+              <a:t>	</a:t>
+            </a:r>
+            <a:r>
+              <a:rPr lang="en-US" altLang="ko-KR" sz="2000" dirty="0">
+                <a:solidFill>
+                  <a:srgbClr val="91CCF1"/>
+                </a:solidFill>
+                <a:latin typeface="Yoon 윤고딕 550_TT" panose="02090603020101020101" pitchFamily="18" charset="-127"/>
+                <a:ea typeface="Yoon 윤고딕 550_TT" panose="02090603020101020101" pitchFamily="18" charset="-127"/>
+              </a:rPr>
+              <a:t>004</a:t>
+            </a:r>
+            <a:r>
+              <a:rPr lang="en-US" altLang="ko-KR" sz="2000" dirty="0">
+                <a:solidFill>
+                  <a:schemeClr val="bg1"/>
+                </a:solidFill>
+                <a:latin typeface="Yoon 윤고딕 530_TT" panose="02090603020101020101" pitchFamily="18" charset="-127"/>
+                <a:ea typeface="Yoon 윤고딕 530_TT" panose="02090603020101020101" pitchFamily="18" charset="-127"/>
+              </a:rPr>
+              <a:t>	</a:t>
+            </a:r>
+            <a:r>
+              <a:rPr lang="ko-KR" altLang="en-US" spc="-300" dirty="0">
+                <a:solidFill>
+                  <a:schemeClr val="bg1"/>
+                </a:solidFill>
+                <a:latin typeface="Yoon 윤고딕 540_TT" panose="02090603020101020101" pitchFamily="18" charset="-127"/>
+                <a:ea typeface="Yoon 윤고딕 540_TT" panose="02090603020101020101" pitchFamily="18" charset="-127"/>
+              </a:rPr>
+              <a:t>시스템 구성도</a:t>
+            </a:r>
+            <a:endParaRPr lang="en-US" altLang="ko-KR" spc="-300" dirty="0">
+              <a:solidFill>
+                <a:schemeClr val="bg1"/>
+              </a:solidFill>
+              <a:latin typeface="Yoon 윤고딕 540_TT" panose="02090603020101020101" pitchFamily="18" charset="-127"/>
+              <a:ea typeface="Yoon 윤고딕 540_TT" panose="02090603020101020101" pitchFamily="18" charset="-127"/>
+            </a:endParaRPr>
+          </a:p>
+          <a:p>
+            <a:endParaRPr lang="en-US" altLang="ko-KR" sz="2000" dirty="0">
+              <a:solidFill>
+                <a:schemeClr val="bg1"/>
+              </a:solidFill>
+              <a:latin typeface="Yoon 윤고딕 530_TT" panose="02090603020101020101" pitchFamily="18" charset="-127"/>
+              <a:ea typeface="Yoon 윤고딕 530_TT" panose="02090603020101020101" pitchFamily="18" charset="-127"/>
+            </a:endParaRPr>
+          </a:p>
+          <a:p>
+            <a:r>
+              <a:rPr lang="en-US" altLang="ko-KR" sz="2000" dirty="0">
+                <a:solidFill>
+                  <a:schemeClr val="bg1"/>
+                </a:solidFill>
+                <a:latin typeface="Yoon 윤고딕 530_TT" panose="02090603020101020101" pitchFamily="18" charset="-127"/>
+                <a:ea typeface="Yoon 윤고딕 530_TT" panose="02090603020101020101" pitchFamily="18" charset="-127"/>
+              </a:rPr>
+              <a:t>	</a:t>
+            </a:r>
+            <a:r>
+              <a:rPr lang="en-US" altLang="ko-KR" sz="2000" dirty="0">
+                <a:solidFill>
+                  <a:srgbClr val="91CCF1"/>
+                </a:solidFill>
+                <a:latin typeface="Yoon 윤고딕 550_TT" panose="02090603020101020101" pitchFamily="18" charset="-127"/>
+                <a:ea typeface="Yoon 윤고딕 550_TT" panose="02090603020101020101" pitchFamily="18" charset="-127"/>
+              </a:rPr>
+              <a:t>005 </a:t>
+            </a:r>
+            <a:r>
+              <a:rPr lang="en-US" altLang="ko-KR" sz="2000" dirty="0">
+                <a:solidFill>
+                  <a:schemeClr val="bg1"/>
+                </a:solidFill>
+                <a:latin typeface="Yoon 윤고딕 530_TT" panose="02090603020101020101" pitchFamily="18" charset="-127"/>
+                <a:ea typeface="Yoon 윤고딕 530_TT" panose="02090603020101020101" pitchFamily="18" charset="-127"/>
+              </a:rPr>
+              <a:t>	</a:t>
+            </a:r>
+            <a:r>
+              <a:rPr lang="ko-KR" altLang="en-US" spc="-300" dirty="0">
+                <a:solidFill>
+                  <a:schemeClr val="bg1"/>
+                </a:solidFill>
+                <a:latin typeface="Yoon 윤고딕 540_TT" panose="02090603020101020101" pitchFamily="18" charset="-127"/>
+                <a:ea typeface="Yoon 윤고딕 540_TT" panose="02090603020101020101" pitchFamily="18" charset="-127"/>
+              </a:rPr>
+              <a:t>시스템 모듈 상세 설계</a:t>
+            </a:r>
+            <a:endParaRPr lang="en-US" altLang="ko-KR" spc="-300" dirty="0">
+              <a:solidFill>
+                <a:schemeClr val="bg1"/>
+              </a:solidFill>
+              <a:latin typeface="Yoon 윤고딕 540_TT" panose="02090603020101020101" pitchFamily="18" charset="-127"/>
+              <a:ea typeface="Yoon 윤고딕 540_TT" panose="02090603020101020101" pitchFamily="18" charset="-127"/>
+            </a:endParaRPr>
+          </a:p>
+          <a:p>
+            <a:r>
+              <a:rPr lang="en-US" altLang="ko-KR" sz="2000" dirty="0">
+                <a:solidFill>
+                  <a:schemeClr val="bg1"/>
+                </a:solidFill>
+                <a:latin typeface="Yoon 윤고딕 530_TT" panose="02090603020101020101" pitchFamily="18" charset="-127"/>
+                <a:ea typeface="Yoon 윤고딕 530_TT" panose="02090603020101020101" pitchFamily="18" charset="-127"/>
+              </a:rPr>
+              <a:t>	</a:t>
+            </a:r>
+          </a:p>
+          <a:p>
+            <a:r>
+              <a:rPr lang="en-US" altLang="ko-KR" sz="2000" dirty="0">
+                <a:solidFill>
+                  <a:schemeClr val="bg1"/>
+                </a:solidFill>
+                <a:latin typeface="Yoon 윤고딕 530_TT" panose="02090603020101020101" pitchFamily="18" charset="-127"/>
+                <a:ea typeface="Yoon 윤고딕 530_TT" panose="02090603020101020101" pitchFamily="18" charset="-127"/>
+              </a:rPr>
+              <a:t>	</a:t>
+            </a:r>
+            <a:r>
+              <a:rPr lang="en-US" altLang="ko-KR" sz="2000" dirty="0">
+                <a:solidFill>
+                  <a:srgbClr val="91CCF1"/>
+                </a:solidFill>
+                <a:latin typeface="Yoon 윤고딕 550_TT" panose="02090603020101020101" pitchFamily="18" charset="-127"/>
+                <a:ea typeface="Yoon 윤고딕 550_TT" panose="02090603020101020101" pitchFamily="18" charset="-127"/>
+              </a:rPr>
+              <a:t>006</a:t>
+            </a:r>
+            <a:r>
+              <a:rPr lang="en-US" altLang="ko-KR" sz="2000" dirty="0">
+                <a:solidFill>
+                  <a:schemeClr val="bg1"/>
+                </a:solidFill>
+                <a:latin typeface="Yoon 윤고딕 530_TT" panose="02090603020101020101" pitchFamily="18" charset="-127"/>
+                <a:ea typeface="Yoon 윤고딕 530_TT" panose="02090603020101020101" pitchFamily="18" charset="-127"/>
+              </a:rPr>
+              <a:t>	</a:t>
+            </a:r>
+            <a:r>
+              <a:rPr lang="ko-KR" altLang="en-US" spc="-300" dirty="0">
+                <a:solidFill>
+                  <a:schemeClr val="bg1"/>
+                </a:solidFill>
+                <a:latin typeface="Yoon 윤고딕 540_TT" panose="02090603020101020101" pitchFamily="18" charset="-127"/>
+                <a:ea typeface="Yoon 윤고딕 540_TT" panose="02090603020101020101" pitchFamily="18" charset="-127"/>
+              </a:rPr>
+              <a:t>개발 환경  및  개발 방법</a:t>
+            </a:r>
+            <a:endParaRPr lang="en-US" altLang="ko-KR" spc="-300" dirty="0">
+              <a:solidFill>
+                <a:schemeClr val="bg1"/>
+              </a:solidFill>
+              <a:latin typeface="Yoon 윤고딕 540_TT" panose="02090603020101020101" pitchFamily="18" charset="-127"/>
+              <a:ea typeface="Yoon 윤고딕 540_TT" panose="02090603020101020101" pitchFamily="18" charset="-127"/>
+            </a:endParaRPr>
+          </a:p>
+          <a:p>
+            <a:endParaRPr lang="en-US" altLang="ko-KR" sz="2000" dirty="0">
+              <a:solidFill>
+                <a:schemeClr val="bg1"/>
+              </a:solidFill>
+              <a:latin typeface="Yoon 윤고딕 530_TT" panose="02090603020101020101" pitchFamily="18" charset="-127"/>
+              <a:ea typeface="Yoon 윤고딕 530_TT" panose="02090603020101020101" pitchFamily="18" charset="-127"/>
+            </a:endParaRPr>
+          </a:p>
+          <a:p>
+            <a:r>
+              <a:rPr lang="en-US" altLang="ko-KR" sz="2000" dirty="0">
+                <a:solidFill>
+                  <a:schemeClr val="bg1"/>
+                </a:solidFill>
+                <a:latin typeface="Yoon 윤고딕 530_TT" panose="02090603020101020101" pitchFamily="18" charset="-127"/>
+                <a:ea typeface="Yoon 윤고딕 530_TT" panose="02090603020101020101" pitchFamily="18" charset="-127"/>
+              </a:rPr>
+              <a:t>	</a:t>
+            </a:r>
+            <a:r>
+              <a:rPr lang="en-US" altLang="ko-KR" sz="2000" dirty="0">
+                <a:solidFill>
+                  <a:srgbClr val="91CCF1"/>
+                </a:solidFill>
+                <a:latin typeface="Yoon 윤고딕 550_TT" panose="02090603020101020101" pitchFamily="18" charset="-127"/>
+                <a:ea typeface="Yoon 윤고딕 550_TT" panose="02090603020101020101" pitchFamily="18" charset="-127"/>
+              </a:rPr>
+              <a:t>007</a:t>
+            </a:r>
+            <a:r>
+              <a:rPr lang="en-US" altLang="ko-KR" sz="2000" dirty="0">
+                <a:solidFill>
+                  <a:schemeClr val="bg1"/>
+                </a:solidFill>
+                <a:latin typeface="Yoon 윤고딕 530_TT" panose="02090603020101020101" pitchFamily="18" charset="-127"/>
+                <a:ea typeface="Yoon 윤고딕 530_TT" panose="02090603020101020101" pitchFamily="18" charset="-127"/>
+              </a:rPr>
+              <a:t>	</a:t>
+            </a:r>
+            <a:r>
+              <a:rPr lang="ko-KR" altLang="en-US" spc="-300" dirty="0">
+                <a:solidFill>
+                  <a:schemeClr val="bg1"/>
+                </a:solidFill>
+                <a:latin typeface="Yoon 윤고딕 540_TT" panose="02090603020101020101" pitchFamily="18" charset="-127"/>
+                <a:ea typeface="Yoon 윤고딕 540_TT" panose="02090603020101020101" pitchFamily="18" charset="-127"/>
+              </a:rPr>
+              <a:t>업무 분담</a:t>
+            </a:r>
+          </a:p>
+          <a:p>
+            <a:endParaRPr lang="en-US" altLang="ko-KR" sz="2000" dirty="0">
+              <a:solidFill>
+                <a:schemeClr val="bg1"/>
+              </a:solidFill>
+              <a:latin typeface="Yoon 윤고딕 530_TT" panose="02090603020101020101" pitchFamily="18" charset="-127"/>
+              <a:ea typeface="Yoon 윤고딕 530_TT" panose="02090603020101020101" pitchFamily="18" charset="-127"/>
+            </a:endParaRPr>
+          </a:p>
+        </p:txBody>
+      </p:sp>
+      <p:sp>
+        <p:nvSpPr>
+          <p:cNvPr id="8" name="TextBox 7"/>
+          <p:cNvSpPr txBox="1"/>
+          <p:nvPr/>
+        </p:nvSpPr>
+        <p:spPr>
+          <a:xfrm>
+            <a:off x="508820" y="486697"/>
+            <a:ext cx="2920180" cy="830997"/>
+          </a:xfrm>
+          <a:prstGeom prst="rect">
+            <a:avLst/>
+          </a:prstGeom>
+          <a:noFill/>
+        </p:spPr>
+        <p:txBody>
+          <a:bodyPr wrap="square" rtlCol="0">
+            <a:spAutoFit/>
+          </a:bodyPr>
+          <a:lstStyle/>
+          <a:p>
+            <a:r>
+              <a:rPr lang="en-US" altLang="ko-KR" sz="4800" spc="-150" dirty="0">
+                <a:solidFill>
+                  <a:schemeClr val="bg1"/>
+                </a:solidFill>
+                <a:latin typeface="Yoon 윤고딕 550_TT" panose="02090603020101020101" pitchFamily="18" charset="-127"/>
+                <a:ea typeface="Yoon 윤고딕 550_TT" panose="02090603020101020101" pitchFamily="18" charset="-127"/>
+              </a:rPr>
+              <a:t>Contents</a:t>
+            </a:r>
+            <a:endParaRPr lang="ko-KR" altLang="en-US" sz="4800" spc="-150" dirty="0">
+              <a:solidFill>
+                <a:schemeClr val="bg1"/>
+              </a:solidFill>
+              <a:latin typeface="Yoon 윤고딕 550_TT" panose="02090603020101020101" pitchFamily="18" charset="-127"/>
+              <a:ea typeface="Yoon 윤고딕 550_TT" panose="02090603020101020101" pitchFamily="18" charset="-127"/>
+            </a:endParaRPr>
+          </a:p>
+        </p:txBody>
+      </p:sp>
+      <p:cxnSp>
+        <p:nvCxnSpPr>
+          <p:cNvPr id="10" name="직선 연결선 9"/>
+          <p:cNvCxnSpPr/>
+          <p:nvPr/>
+        </p:nvCxnSpPr>
+        <p:spPr>
+          <a:xfrm>
+            <a:off x="5596597" y="1252023"/>
+            <a:ext cx="0" cy="5134709"/>
+          </a:xfrm>
+          <a:prstGeom prst="line">
+            <a:avLst/>
+          </a:prstGeom>
+          <a:ln>
+            <a:solidFill>
+              <a:schemeClr val="bg1"/>
+            </a:solidFill>
+          </a:ln>
+        </p:spPr>
+        <p:style>
+          <a:lnRef idx="1">
+            <a:schemeClr val="accent1"/>
+          </a:lnRef>
+          <a:fillRef idx="0">
+            <a:schemeClr val="accent1"/>
+          </a:fillRef>
+          <a:effectRef idx="0">
+            <a:schemeClr val="accent1"/>
+          </a:effectRef>
+          <a:fontRef idx="minor">
+            <a:schemeClr val="tx1"/>
+          </a:fontRef>
+        </p:style>
+      </p:cxnSp>
+    </p:spTree>
+    <p:extLst>
+      <p:ext uri="{BB962C8B-B14F-4D97-AF65-F5344CB8AC3E}">
+        <p14:creationId xmlns:p14="http://schemas.microsoft.com/office/powerpoint/2010/main" val="2507104998"/>
+      </p:ext>
+    </p:extLst>
+  </p:cSld>
+  <p:clrMapOvr>
+    <a:masterClrMapping/>
+  </p:clrMapOvr>
+</p:sld>
+</file>
+
+<file path=ppt/slides/slide20.xml><?xml version="1.0" encoding="utf-8"?>
 <p:sld xmlns:a="http://schemas.openxmlformats.org/drawingml/2006/main" xmlns:r="http://schemas.openxmlformats.org/officeDocument/2006/relationships" xmlns:p="http://schemas.openxmlformats.org/presentationml/2006/main">
   <p:cSld>
     <p:spTree>
@@ -17467,7 +17090,7 @@
 </p:sld>
 </file>
 
-<file path=ppt/slides/slide22.xml><?xml version="1.0" encoding="utf-8"?>
+<file path=ppt/slides/slide21.xml><?xml version="1.0" encoding="utf-8"?>
 <p:sld xmlns:a="http://schemas.openxmlformats.org/drawingml/2006/main" xmlns:r="http://schemas.openxmlformats.org/officeDocument/2006/relationships" xmlns:p="http://schemas.openxmlformats.org/presentationml/2006/main">
   <p:cSld>
     <p:spTree>
@@ -17892,7 +17515,7 @@
 </p:sld>
 </file>
 
-<file path=ppt/slides/slide23.xml><?xml version="1.0" encoding="utf-8"?>
+<file path=ppt/slides/slide22.xml><?xml version="1.0" encoding="utf-8"?>
 <p:sld xmlns:a="http://schemas.openxmlformats.org/drawingml/2006/main" xmlns:r="http://schemas.openxmlformats.org/officeDocument/2006/relationships" xmlns:p="http://schemas.openxmlformats.org/presentationml/2006/main">
   <p:cSld>
     <p:spTree>
@@ -19138,7 +18761,7 @@
 </p:sld>
 </file>
 
-<file path=ppt/slides/slide24.xml><?xml version="1.0" encoding="utf-8"?>
+<file path=ppt/slides/slide23.xml><?xml version="1.0" encoding="utf-8"?>
 <p:sld xmlns:a="http://schemas.openxmlformats.org/drawingml/2006/main" xmlns:r="http://schemas.openxmlformats.org/officeDocument/2006/relationships" xmlns:p="http://schemas.openxmlformats.org/presentationml/2006/main">
   <p:cSld>
     <p:spTree>
@@ -22687,7 +22310,7 @@
 </p:sld>
 </file>
 
-<file path=ppt/slides/slide25.xml><?xml version="1.0" encoding="utf-8"?>
+<file path=ppt/slides/slide24.xml><?xml version="1.0" encoding="utf-8"?>
 <p:sld xmlns:a="http://schemas.openxmlformats.org/drawingml/2006/main" xmlns:r="http://schemas.openxmlformats.org/officeDocument/2006/relationships" xmlns:p="http://schemas.openxmlformats.org/presentationml/2006/main">
   <p:cSld>
     <p:spTree>
@@ -23037,7 +22660,7 @@
 </p:sld>
 </file>
 
-<file path=ppt/slides/slide26.xml><?xml version="1.0" encoding="utf-8"?>
+<file path=ppt/slides/slide25.xml><?xml version="1.0" encoding="utf-8"?>
 <p:sld xmlns:a="http://schemas.openxmlformats.org/drawingml/2006/main" xmlns:r="http://schemas.openxmlformats.org/officeDocument/2006/relationships" xmlns:p="http://schemas.openxmlformats.org/presentationml/2006/main">
   <p:cSld>
     <p:spTree>
